--- a/Aulas/Aula 7 - Regressão linear e correlação/images/a.pptx
+++ b/Aulas/Aula 7 - Regressão linear e correlação/images/a.pptx
@@ -200,7 +200,7 @@
           <a:p>
             <a:fld id="{C446E083-8115-4184-92B6-E79629B3288F}" type="datetimeFigureOut">
               <a:rPr lang="pt-BR" smtClean="0"/>
-              <a:t>12/08/2022</a:t>
+              <a:t>17/08/2022</a:t>
             </a:fld>
             <a:endParaRPr lang="pt-BR"/>
           </a:p>
@@ -701,7 +701,7 @@
           <a:p>
             <a:fld id="{869E138C-3E41-41F6-80BA-7327AB6FAAF5}" type="datetimeFigureOut">
               <a:rPr lang="pt-BR" smtClean="0"/>
-              <a:t>12/08/2022</a:t>
+              <a:t>17/08/2022</a:t>
             </a:fld>
             <a:endParaRPr lang="pt-BR"/>
           </a:p>
@@ -901,7 +901,7 @@
           <a:p>
             <a:fld id="{869E138C-3E41-41F6-80BA-7327AB6FAAF5}" type="datetimeFigureOut">
               <a:rPr lang="pt-BR" smtClean="0"/>
-              <a:t>12/08/2022</a:t>
+              <a:t>17/08/2022</a:t>
             </a:fld>
             <a:endParaRPr lang="pt-BR"/>
           </a:p>
@@ -1111,7 +1111,7 @@
           <a:p>
             <a:fld id="{869E138C-3E41-41F6-80BA-7327AB6FAAF5}" type="datetimeFigureOut">
               <a:rPr lang="pt-BR" smtClean="0"/>
-              <a:t>12/08/2022</a:t>
+              <a:t>17/08/2022</a:t>
             </a:fld>
             <a:endParaRPr lang="pt-BR"/>
           </a:p>
@@ -1311,7 +1311,7 @@
           <a:p>
             <a:fld id="{869E138C-3E41-41F6-80BA-7327AB6FAAF5}" type="datetimeFigureOut">
               <a:rPr lang="pt-BR" smtClean="0"/>
-              <a:t>12/08/2022</a:t>
+              <a:t>17/08/2022</a:t>
             </a:fld>
             <a:endParaRPr lang="pt-BR"/>
           </a:p>
@@ -1587,7 +1587,7 @@
           <a:p>
             <a:fld id="{869E138C-3E41-41F6-80BA-7327AB6FAAF5}" type="datetimeFigureOut">
               <a:rPr lang="pt-BR" smtClean="0"/>
-              <a:t>12/08/2022</a:t>
+              <a:t>17/08/2022</a:t>
             </a:fld>
             <a:endParaRPr lang="pt-BR"/>
           </a:p>
@@ -1855,7 +1855,7 @@
           <a:p>
             <a:fld id="{869E138C-3E41-41F6-80BA-7327AB6FAAF5}" type="datetimeFigureOut">
               <a:rPr lang="pt-BR" smtClean="0"/>
-              <a:t>12/08/2022</a:t>
+              <a:t>17/08/2022</a:t>
             </a:fld>
             <a:endParaRPr lang="pt-BR"/>
           </a:p>
@@ -2270,7 +2270,7 @@
           <a:p>
             <a:fld id="{869E138C-3E41-41F6-80BA-7327AB6FAAF5}" type="datetimeFigureOut">
               <a:rPr lang="pt-BR" smtClean="0"/>
-              <a:t>12/08/2022</a:t>
+              <a:t>17/08/2022</a:t>
             </a:fld>
             <a:endParaRPr lang="pt-BR"/>
           </a:p>
@@ -2412,7 +2412,7 @@
           <a:p>
             <a:fld id="{869E138C-3E41-41F6-80BA-7327AB6FAAF5}" type="datetimeFigureOut">
               <a:rPr lang="pt-BR" smtClean="0"/>
-              <a:t>12/08/2022</a:t>
+              <a:t>17/08/2022</a:t>
             </a:fld>
             <a:endParaRPr lang="pt-BR"/>
           </a:p>
@@ -2525,7 +2525,7 @@
           <a:p>
             <a:fld id="{869E138C-3E41-41F6-80BA-7327AB6FAAF5}" type="datetimeFigureOut">
               <a:rPr lang="pt-BR" smtClean="0"/>
-              <a:t>12/08/2022</a:t>
+              <a:t>17/08/2022</a:t>
             </a:fld>
             <a:endParaRPr lang="pt-BR"/>
           </a:p>
@@ -2838,7 +2838,7 @@
           <a:p>
             <a:fld id="{869E138C-3E41-41F6-80BA-7327AB6FAAF5}" type="datetimeFigureOut">
               <a:rPr lang="pt-BR" smtClean="0"/>
-              <a:t>12/08/2022</a:t>
+              <a:t>17/08/2022</a:t>
             </a:fld>
             <a:endParaRPr lang="pt-BR"/>
           </a:p>
@@ -3127,7 +3127,7 @@
           <a:p>
             <a:fld id="{869E138C-3E41-41F6-80BA-7327AB6FAAF5}" type="datetimeFigureOut">
               <a:rPr lang="pt-BR" smtClean="0"/>
-              <a:t>12/08/2022</a:t>
+              <a:t>17/08/2022</a:t>
             </a:fld>
             <a:endParaRPr lang="pt-BR"/>
           </a:p>
@@ -3370,7 +3370,7 @@
           <a:p>
             <a:fld id="{869E138C-3E41-41F6-80BA-7327AB6FAAF5}" type="datetimeFigureOut">
               <a:rPr lang="pt-BR" smtClean="0"/>
-              <a:t>12/08/2022</a:t>
+              <a:t>17/08/2022</a:t>
             </a:fld>
             <a:endParaRPr lang="pt-BR"/>
           </a:p>
@@ -3787,6 +3787,2716 @@
           <a:chExt cx="0" cy="0"/>
         </a:xfrm>
       </p:grpSpPr>
+      <p:grpSp>
+        <p:nvGrpSpPr>
+          <p:cNvPr id="204" name="Group 203">
+            <a:extLst>
+              <a:ext uri="{FF2B5EF4-FFF2-40B4-BE49-F238E27FC236}">
+                <a16:creationId xmlns:a16="http://schemas.microsoft.com/office/drawing/2014/main" id="{1FC2D3EC-786B-584D-80A2-21F6A1FF5C9B}"/>
+              </a:ext>
+            </a:extLst>
+          </p:cNvPr>
+          <p:cNvGrpSpPr/>
+          <p:nvPr/>
+        </p:nvGrpSpPr>
+        <p:grpSpPr>
+          <a:xfrm>
+            <a:off x="2937916" y="839309"/>
+            <a:ext cx="5542766" cy="3995232"/>
+            <a:chOff x="2937916" y="839309"/>
+            <a:chExt cx="5542766" cy="3995232"/>
+          </a:xfrm>
+        </p:grpSpPr>
+        <p:sp>
+          <p:nvSpPr>
+            <p:cNvPr id="6" name="Retângulo 37">
+              <a:extLst>
+                <a:ext uri="{FF2B5EF4-FFF2-40B4-BE49-F238E27FC236}">
+                  <a16:creationId xmlns:a16="http://schemas.microsoft.com/office/drawing/2014/main" id="{69FC3ABE-D2B3-1C4C-A5AE-82782D37946B}"/>
+                </a:ext>
+              </a:extLst>
+            </p:cNvPr>
+            <p:cNvSpPr/>
+            <p:nvPr/>
+          </p:nvSpPr>
+          <p:spPr>
+            <a:xfrm>
+              <a:off x="3983111" y="839309"/>
+              <a:ext cx="751840" cy="365760"/>
+            </a:xfrm>
+            <a:prstGeom prst="rect">
+              <a:avLst/>
+            </a:prstGeom>
+            <a:ln w="19050">
+              <a:solidFill>
+                <a:schemeClr val="tx1"/>
+              </a:solidFill>
+            </a:ln>
+          </p:spPr>
+          <p:style>
+            <a:lnRef idx="2">
+              <a:schemeClr val="accent1">
+                <a:shade val="50000"/>
+              </a:schemeClr>
+            </a:lnRef>
+            <a:fillRef idx="1">
+              <a:schemeClr val="accent1"/>
+            </a:fillRef>
+            <a:effectRef idx="0">
+              <a:schemeClr val="accent1"/>
+            </a:effectRef>
+            <a:fontRef idx="minor">
+              <a:schemeClr val="lt1"/>
+            </a:fontRef>
+          </p:style>
+          <p:txBody>
+            <a:bodyPr rtlCol="0" anchor="ctr"/>
+            <a:lstStyle/>
+            <a:p>
+              <a:pPr algn="ctr"/>
+              <a:r>
+                <a:rPr lang="pt-BR" sz="2000" dirty="0">
+                  <a:effectLst>
+                    <a:outerShdw blurRad="38100" dist="38100" dir="2700000" algn="tl">
+                      <a:srgbClr val="000000">
+                        <a:alpha val="43137"/>
+                      </a:srgbClr>
+                    </a:outerShdw>
+                  </a:effectLst>
+                  <a:latin typeface="Times New Roman" panose="02020603050405020304" pitchFamily="18" charset="0"/>
+                  <a:cs typeface="Times New Roman" panose="02020603050405020304" pitchFamily="18" charset="0"/>
+                </a:rPr>
+                <a:t>dano</a:t>
+              </a:r>
+            </a:p>
+          </p:txBody>
+        </p:sp>
+        <p:sp>
+          <p:nvSpPr>
+            <p:cNvPr id="7" name="Retângulo 38">
+              <a:extLst>
+                <a:ext uri="{FF2B5EF4-FFF2-40B4-BE49-F238E27FC236}">
+                  <a16:creationId xmlns:a16="http://schemas.microsoft.com/office/drawing/2014/main" id="{B87FBC4D-1A76-9800-949C-9AA9A8DD9BC8}"/>
+                </a:ext>
+              </a:extLst>
+            </p:cNvPr>
+            <p:cNvSpPr/>
+            <p:nvPr/>
+          </p:nvSpPr>
+          <p:spPr>
+            <a:xfrm>
+              <a:off x="3983111" y="1205069"/>
+              <a:ext cx="751840" cy="365760"/>
+            </a:xfrm>
+            <a:prstGeom prst="rect">
+              <a:avLst/>
+            </a:prstGeom>
+            <a:solidFill>
+              <a:schemeClr val="bg1">
+                <a:lumMod val="75000"/>
+              </a:schemeClr>
+            </a:solidFill>
+            <a:ln w="19050">
+              <a:solidFill>
+                <a:schemeClr val="tx1"/>
+              </a:solidFill>
+            </a:ln>
+          </p:spPr>
+          <p:style>
+            <a:lnRef idx="2">
+              <a:schemeClr val="accent1">
+                <a:shade val="50000"/>
+              </a:schemeClr>
+            </a:lnRef>
+            <a:fillRef idx="1">
+              <a:schemeClr val="accent1"/>
+            </a:fillRef>
+            <a:effectRef idx="0">
+              <a:schemeClr val="accent1"/>
+            </a:effectRef>
+            <a:fontRef idx="minor">
+              <a:schemeClr val="lt1"/>
+            </a:fontRef>
+          </p:style>
+          <p:txBody>
+            <a:bodyPr rtlCol="0" anchor="ctr"/>
+            <a:lstStyle/>
+            <a:p>
+              <a:pPr algn="ctr"/>
+              <a:r>
+                <a:rPr lang="pt-BR" sz="2000" dirty="0">
+                  <a:effectLst>
+                    <a:outerShdw blurRad="38100" dist="38100" dir="2700000" algn="tl">
+                      <a:srgbClr val="000000">
+                        <a:alpha val="43137"/>
+                      </a:srgbClr>
+                    </a:outerShdw>
+                  </a:effectLst>
+                  <a:latin typeface="Times New Roman" panose="02020603050405020304" pitchFamily="18" charset="0"/>
+                  <a:cs typeface="Times New Roman" panose="02020603050405020304" pitchFamily="18" charset="0"/>
+                </a:rPr>
+                <a:t>alto</a:t>
+              </a:r>
+            </a:p>
+          </p:txBody>
+        </p:sp>
+        <p:sp>
+          <p:nvSpPr>
+            <p:cNvPr id="8" name="Retângulo 39">
+              <a:extLst>
+                <a:ext uri="{FF2B5EF4-FFF2-40B4-BE49-F238E27FC236}">
+                  <a16:creationId xmlns:a16="http://schemas.microsoft.com/office/drawing/2014/main" id="{3C838EBE-BE98-9EA4-F424-D51795FB6E9A}"/>
+                </a:ext>
+              </a:extLst>
+            </p:cNvPr>
+            <p:cNvSpPr/>
+            <p:nvPr/>
+          </p:nvSpPr>
+          <p:spPr>
+            <a:xfrm>
+              <a:off x="3983111" y="1570829"/>
+              <a:ext cx="751840" cy="365760"/>
+            </a:xfrm>
+            <a:prstGeom prst="rect">
+              <a:avLst/>
+            </a:prstGeom>
+            <a:solidFill>
+              <a:schemeClr val="bg1">
+                <a:lumMod val="75000"/>
+              </a:schemeClr>
+            </a:solidFill>
+            <a:ln w="19050">
+              <a:solidFill>
+                <a:schemeClr val="tx1"/>
+              </a:solidFill>
+            </a:ln>
+          </p:spPr>
+          <p:style>
+            <a:lnRef idx="2">
+              <a:schemeClr val="accent1">
+                <a:shade val="50000"/>
+              </a:schemeClr>
+            </a:lnRef>
+            <a:fillRef idx="1">
+              <a:schemeClr val="accent1"/>
+            </a:fillRef>
+            <a:effectRef idx="0">
+              <a:schemeClr val="accent1"/>
+            </a:effectRef>
+            <a:fontRef idx="minor">
+              <a:schemeClr val="lt1"/>
+            </a:fontRef>
+          </p:style>
+          <p:txBody>
+            <a:bodyPr rtlCol="0" anchor="ctr"/>
+            <a:lstStyle/>
+            <a:p>
+              <a:pPr algn="ctr"/>
+              <a:r>
+                <a:rPr lang="pt-BR" sz="2000" dirty="0">
+                  <a:effectLst>
+                    <a:outerShdw blurRad="38100" dist="38100" dir="2700000" algn="tl">
+                      <a:srgbClr val="000000">
+                        <a:alpha val="43137"/>
+                      </a:srgbClr>
+                    </a:outerShdw>
+                  </a:effectLst>
+                  <a:latin typeface="Times New Roman" panose="02020603050405020304" pitchFamily="18" charset="0"/>
+                  <a:cs typeface="Times New Roman" panose="02020603050405020304" pitchFamily="18" charset="0"/>
+                </a:rPr>
+                <a:t>alto</a:t>
+              </a:r>
+            </a:p>
+          </p:txBody>
+        </p:sp>
+        <p:sp>
+          <p:nvSpPr>
+            <p:cNvPr id="9" name="Retângulo 40">
+              <a:extLst>
+                <a:ext uri="{FF2B5EF4-FFF2-40B4-BE49-F238E27FC236}">
+                  <a16:creationId xmlns:a16="http://schemas.microsoft.com/office/drawing/2014/main" id="{A1166E3D-67F7-2190-BBF8-77BD49431CCA}"/>
+                </a:ext>
+              </a:extLst>
+            </p:cNvPr>
+            <p:cNvSpPr/>
+            <p:nvPr/>
+          </p:nvSpPr>
+          <p:spPr>
+            <a:xfrm>
+              <a:off x="3983111" y="1936589"/>
+              <a:ext cx="751840" cy="365760"/>
+            </a:xfrm>
+            <a:prstGeom prst="rect">
+              <a:avLst/>
+            </a:prstGeom>
+            <a:solidFill>
+              <a:schemeClr val="bg1">
+                <a:lumMod val="75000"/>
+              </a:schemeClr>
+            </a:solidFill>
+            <a:ln w="19050">
+              <a:solidFill>
+                <a:schemeClr val="tx1"/>
+              </a:solidFill>
+            </a:ln>
+          </p:spPr>
+          <p:style>
+            <a:lnRef idx="2">
+              <a:schemeClr val="accent1">
+                <a:shade val="50000"/>
+              </a:schemeClr>
+            </a:lnRef>
+            <a:fillRef idx="1">
+              <a:schemeClr val="accent1"/>
+            </a:fillRef>
+            <a:effectRef idx="0">
+              <a:schemeClr val="accent1"/>
+            </a:effectRef>
+            <a:fontRef idx="minor">
+              <a:schemeClr val="lt1"/>
+            </a:fontRef>
+          </p:style>
+          <p:txBody>
+            <a:bodyPr rtlCol="0" anchor="ctr"/>
+            <a:lstStyle/>
+            <a:p>
+              <a:pPr algn="ctr"/>
+              <a:r>
+                <a:rPr lang="pt-BR" sz="2000" dirty="0">
+                  <a:effectLst>
+                    <a:outerShdw blurRad="38100" dist="38100" dir="2700000" algn="tl">
+                      <a:srgbClr val="000000">
+                        <a:alpha val="43137"/>
+                      </a:srgbClr>
+                    </a:outerShdw>
+                  </a:effectLst>
+                  <a:latin typeface="Times New Roman" panose="02020603050405020304" pitchFamily="18" charset="0"/>
+                  <a:cs typeface="Times New Roman" panose="02020603050405020304" pitchFamily="18" charset="0"/>
+                </a:rPr>
+                <a:t>baixo</a:t>
+              </a:r>
+            </a:p>
+          </p:txBody>
+        </p:sp>
+        <p:sp>
+          <p:nvSpPr>
+            <p:cNvPr id="10" name="Retângulo 43">
+              <a:extLst>
+                <a:ext uri="{FF2B5EF4-FFF2-40B4-BE49-F238E27FC236}">
+                  <a16:creationId xmlns:a16="http://schemas.microsoft.com/office/drawing/2014/main" id="{D8FC1A7A-800C-1E44-B1C6-9E2B707D82B7}"/>
+                </a:ext>
+              </a:extLst>
+            </p:cNvPr>
+            <p:cNvSpPr/>
+            <p:nvPr/>
+          </p:nvSpPr>
+          <p:spPr>
+            <a:xfrm>
+              <a:off x="3983111" y="2514600"/>
+              <a:ext cx="751840" cy="365760"/>
+            </a:xfrm>
+            <a:prstGeom prst="rect">
+              <a:avLst/>
+            </a:prstGeom>
+            <a:solidFill>
+              <a:schemeClr val="bg1">
+                <a:lumMod val="75000"/>
+              </a:schemeClr>
+            </a:solidFill>
+            <a:ln w="19050">
+              <a:solidFill>
+                <a:schemeClr val="tx1"/>
+              </a:solidFill>
+            </a:ln>
+          </p:spPr>
+          <p:style>
+            <a:lnRef idx="2">
+              <a:schemeClr val="accent1">
+                <a:shade val="50000"/>
+              </a:schemeClr>
+            </a:lnRef>
+            <a:fillRef idx="1">
+              <a:schemeClr val="accent1"/>
+            </a:fillRef>
+            <a:effectRef idx="0">
+              <a:schemeClr val="accent1"/>
+            </a:effectRef>
+            <a:fontRef idx="minor">
+              <a:schemeClr val="lt1"/>
+            </a:fontRef>
+          </p:style>
+          <p:txBody>
+            <a:bodyPr rtlCol="0" anchor="ctr"/>
+            <a:lstStyle/>
+            <a:p>
+              <a:pPr algn="ctr"/>
+              <a:r>
+                <a:rPr lang="pt-BR" sz="2000" dirty="0">
+                  <a:effectLst>
+                    <a:outerShdw blurRad="38100" dist="38100" dir="2700000" algn="tl">
+                      <a:srgbClr val="000000">
+                        <a:alpha val="43137"/>
+                      </a:srgbClr>
+                    </a:outerShdw>
+                  </a:effectLst>
+                  <a:latin typeface="Times New Roman" panose="02020603050405020304" pitchFamily="18" charset="0"/>
+                  <a:cs typeface="Times New Roman" panose="02020603050405020304" pitchFamily="18" charset="0"/>
+                </a:rPr>
+                <a:t>alto</a:t>
+              </a:r>
+            </a:p>
+          </p:txBody>
+        </p:sp>
+        <p:sp>
+          <p:nvSpPr>
+            <p:cNvPr id="11" name="Retângulo 44">
+              <a:extLst>
+                <a:ext uri="{FF2B5EF4-FFF2-40B4-BE49-F238E27FC236}">
+                  <a16:creationId xmlns:a16="http://schemas.microsoft.com/office/drawing/2014/main" id="{98EEFEBA-ADDE-FF14-C24F-C1C78B9CE674}"/>
+                </a:ext>
+              </a:extLst>
+            </p:cNvPr>
+            <p:cNvSpPr/>
+            <p:nvPr/>
+          </p:nvSpPr>
+          <p:spPr>
+            <a:xfrm>
+              <a:off x="3983111" y="2880360"/>
+              <a:ext cx="751840" cy="365760"/>
+            </a:xfrm>
+            <a:prstGeom prst="rect">
+              <a:avLst/>
+            </a:prstGeom>
+            <a:solidFill>
+              <a:schemeClr val="bg1">
+                <a:lumMod val="75000"/>
+              </a:schemeClr>
+            </a:solidFill>
+            <a:ln w="19050">
+              <a:solidFill>
+                <a:schemeClr val="tx1"/>
+              </a:solidFill>
+            </a:ln>
+          </p:spPr>
+          <p:style>
+            <a:lnRef idx="2">
+              <a:schemeClr val="accent1">
+                <a:shade val="50000"/>
+              </a:schemeClr>
+            </a:lnRef>
+            <a:fillRef idx="1">
+              <a:schemeClr val="accent1"/>
+            </a:fillRef>
+            <a:effectRef idx="0">
+              <a:schemeClr val="accent1"/>
+            </a:effectRef>
+            <a:fontRef idx="minor">
+              <a:schemeClr val="lt1"/>
+            </a:fontRef>
+          </p:style>
+          <p:txBody>
+            <a:bodyPr rtlCol="0" anchor="ctr"/>
+            <a:lstStyle/>
+            <a:p>
+              <a:pPr algn="ctr"/>
+              <a:r>
+                <a:rPr lang="pt-BR" sz="2000" dirty="0">
+                  <a:effectLst>
+                    <a:outerShdw blurRad="38100" dist="38100" dir="2700000" algn="tl">
+                      <a:srgbClr val="000000">
+                        <a:alpha val="43137"/>
+                      </a:srgbClr>
+                    </a:outerShdw>
+                  </a:effectLst>
+                  <a:latin typeface="Times New Roman" panose="02020603050405020304" pitchFamily="18" charset="0"/>
+                  <a:cs typeface="Times New Roman" panose="02020603050405020304" pitchFamily="18" charset="0"/>
+                </a:rPr>
+                <a:t>méd.</a:t>
+              </a:r>
+            </a:p>
+          </p:txBody>
+        </p:sp>
+        <p:sp>
+          <p:nvSpPr>
+            <p:cNvPr id="12" name="Retângulo 45">
+              <a:extLst>
+                <a:ext uri="{FF2B5EF4-FFF2-40B4-BE49-F238E27FC236}">
+                  <a16:creationId xmlns:a16="http://schemas.microsoft.com/office/drawing/2014/main" id="{C7CE392F-587A-5B1E-1E09-306CC120B80A}"/>
+                </a:ext>
+              </a:extLst>
+            </p:cNvPr>
+            <p:cNvSpPr/>
+            <p:nvPr/>
+          </p:nvSpPr>
+          <p:spPr>
+            <a:xfrm>
+              <a:off x="3983111" y="3246120"/>
+              <a:ext cx="751840" cy="365760"/>
+            </a:xfrm>
+            <a:prstGeom prst="rect">
+              <a:avLst/>
+            </a:prstGeom>
+            <a:solidFill>
+              <a:schemeClr val="bg1">
+                <a:lumMod val="75000"/>
+              </a:schemeClr>
+            </a:solidFill>
+            <a:ln w="19050">
+              <a:solidFill>
+                <a:schemeClr val="tx1"/>
+              </a:solidFill>
+            </a:ln>
+          </p:spPr>
+          <p:style>
+            <a:lnRef idx="2">
+              <a:schemeClr val="accent1">
+                <a:shade val="50000"/>
+              </a:schemeClr>
+            </a:lnRef>
+            <a:fillRef idx="1">
+              <a:schemeClr val="accent1"/>
+            </a:fillRef>
+            <a:effectRef idx="0">
+              <a:schemeClr val="accent1"/>
+            </a:effectRef>
+            <a:fontRef idx="minor">
+              <a:schemeClr val="lt1"/>
+            </a:fontRef>
+          </p:style>
+          <p:txBody>
+            <a:bodyPr rtlCol="0" anchor="ctr"/>
+            <a:lstStyle/>
+            <a:p>
+              <a:pPr algn="ctr"/>
+              <a:r>
+                <a:rPr lang="pt-BR" sz="2000" dirty="0">
+                  <a:effectLst>
+                    <a:outerShdw blurRad="38100" dist="38100" dir="2700000" algn="tl">
+                      <a:srgbClr val="000000">
+                        <a:alpha val="43137"/>
+                      </a:srgbClr>
+                    </a:outerShdw>
+                  </a:effectLst>
+                  <a:latin typeface="Times New Roman" panose="02020603050405020304" pitchFamily="18" charset="0"/>
+                  <a:cs typeface="Times New Roman" panose="02020603050405020304" pitchFamily="18" charset="0"/>
+                </a:rPr>
+                <a:t>baixo</a:t>
+              </a:r>
+            </a:p>
+          </p:txBody>
+        </p:sp>
+        <p:sp>
+          <p:nvSpPr>
+            <p:cNvPr id="16" name="TextBox 15">
+              <a:extLst>
+                <a:ext uri="{FF2B5EF4-FFF2-40B4-BE49-F238E27FC236}">
+                  <a16:creationId xmlns:a16="http://schemas.microsoft.com/office/drawing/2014/main" id="{9861A030-9961-A97E-178C-235C35EE01D0}"/>
+                </a:ext>
+              </a:extLst>
+            </p:cNvPr>
+            <p:cNvSpPr txBox="1"/>
+            <p:nvPr/>
+          </p:nvSpPr>
+          <p:spPr>
+            <a:xfrm>
+              <a:off x="4592350" y="1606324"/>
+              <a:ext cx="1895630" cy="1107996"/>
+            </a:xfrm>
+            <a:prstGeom prst="rect">
+              <a:avLst/>
+            </a:prstGeom>
+            <a:noFill/>
+          </p:spPr>
+          <p:txBody>
+            <a:bodyPr wrap="square" rtlCol="0">
+              <a:spAutoFit/>
+            </a:bodyPr>
+            <a:lstStyle/>
+            <a:p>
+              <a:pPr algn="ctr"/>
+              <a:r>
+                <a:rPr lang="pt-BR" sz="6600" dirty="0"/>
+                <a:t>...</a:t>
+              </a:r>
+            </a:p>
+          </p:txBody>
+        </p:sp>
+        <p:sp>
+          <p:nvSpPr>
+            <p:cNvPr id="17" name="Retângulo 32">
+              <a:extLst>
+                <a:ext uri="{FF2B5EF4-FFF2-40B4-BE49-F238E27FC236}">
+                  <a16:creationId xmlns:a16="http://schemas.microsoft.com/office/drawing/2014/main" id="{2CD4EF28-B92C-3026-D3E7-1E55A9411BE3}"/>
+                </a:ext>
+              </a:extLst>
+            </p:cNvPr>
+            <p:cNvSpPr/>
+            <p:nvPr/>
+          </p:nvSpPr>
+          <p:spPr>
+            <a:xfrm>
+              <a:off x="5619999" y="839309"/>
+              <a:ext cx="751840" cy="365760"/>
+            </a:xfrm>
+            <a:prstGeom prst="rect">
+              <a:avLst/>
+            </a:prstGeom>
+            <a:solidFill>
+              <a:srgbClr val="4472C4"/>
+            </a:solidFill>
+            <a:ln w="19050">
+              <a:solidFill>
+                <a:schemeClr val="tx1"/>
+              </a:solidFill>
+            </a:ln>
+          </p:spPr>
+          <p:style>
+            <a:lnRef idx="2">
+              <a:schemeClr val="accent1">
+                <a:shade val="50000"/>
+              </a:schemeClr>
+            </a:lnRef>
+            <a:fillRef idx="1">
+              <a:schemeClr val="accent1"/>
+            </a:fillRef>
+            <a:effectRef idx="0">
+              <a:schemeClr val="accent1"/>
+            </a:effectRef>
+            <a:fontRef idx="minor">
+              <a:schemeClr val="lt1"/>
+            </a:fontRef>
+          </p:style>
+          <p:txBody>
+            <a:bodyPr rtlCol="0" anchor="ctr"/>
+            <a:lstStyle/>
+            <a:p>
+              <a:pPr algn="ctr"/>
+              <a:r>
+                <a:rPr lang="pt-BR" sz="2000" dirty="0">
+                  <a:effectLst>
+                    <a:outerShdw blurRad="38100" dist="38100" dir="2700000" algn="tl">
+                      <a:srgbClr val="000000">
+                        <a:alpha val="43137"/>
+                      </a:srgbClr>
+                    </a:outerShdw>
+                  </a:effectLst>
+                  <a:latin typeface="Times New Roman" panose="02020603050405020304" pitchFamily="18" charset="0"/>
+                  <a:cs typeface="Times New Roman" panose="02020603050405020304" pitchFamily="18" charset="0"/>
+                </a:rPr>
+                <a:t>peso</a:t>
+              </a:r>
+            </a:p>
+          </p:txBody>
+        </p:sp>
+        <p:sp>
+          <p:nvSpPr>
+            <p:cNvPr id="18" name="Retângulo 33">
+              <a:extLst>
+                <a:ext uri="{FF2B5EF4-FFF2-40B4-BE49-F238E27FC236}">
+                  <a16:creationId xmlns:a16="http://schemas.microsoft.com/office/drawing/2014/main" id="{3B30F810-2884-738D-301E-3434488C1867}"/>
+                </a:ext>
+              </a:extLst>
+            </p:cNvPr>
+            <p:cNvSpPr/>
+            <p:nvPr/>
+          </p:nvSpPr>
+          <p:spPr>
+            <a:xfrm>
+              <a:off x="5619999" y="1205069"/>
+              <a:ext cx="751840" cy="365760"/>
+            </a:xfrm>
+            <a:prstGeom prst="rect">
+              <a:avLst/>
+            </a:prstGeom>
+            <a:solidFill>
+              <a:schemeClr val="bg1">
+                <a:lumMod val="75000"/>
+              </a:schemeClr>
+            </a:solidFill>
+            <a:ln w="19050">
+              <a:solidFill>
+                <a:schemeClr val="tx1"/>
+              </a:solidFill>
+            </a:ln>
+          </p:spPr>
+          <p:style>
+            <a:lnRef idx="2">
+              <a:schemeClr val="accent1">
+                <a:shade val="50000"/>
+              </a:schemeClr>
+            </a:lnRef>
+            <a:fillRef idx="1">
+              <a:schemeClr val="accent1"/>
+            </a:fillRef>
+            <a:effectRef idx="0">
+              <a:schemeClr val="accent1"/>
+            </a:effectRef>
+            <a:fontRef idx="minor">
+              <a:schemeClr val="lt1"/>
+            </a:fontRef>
+          </p:style>
+          <p:txBody>
+            <a:bodyPr rtlCol="0" anchor="ctr"/>
+            <a:lstStyle/>
+            <a:p>
+              <a:pPr algn="ctr"/>
+              <a:r>
+                <a:rPr lang="pt-BR" sz="2000" dirty="0">
+                  <a:effectLst>
+                    <a:outerShdw blurRad="38100" dist="38100" dir="2700000" algn="tl">
+                      <a:srgbClr val="000000">
+                        <a:alpha val="43137"/>
+                      </a:srgbClr>
+                    </a:outerShdw>
+                  </a:effectLst>
+                  <a:latin typeface="Times New Roman" panose="02020603050405020304" pitchFamily="18" charset="0"/>
+                  <a:cs typeface="Times New Roman" panose="02020603050405020304" pitchFamily="18" charset="0"/>
+                </a:rPr>
+                <a:t>5.4</a:t>
+              </a:r>
+            </a:p>
+          </p:txBody>
+        </p:sp>
+        <p:sp>
+          <p:nvSpPr>
+            <p:cNvPr id="19" name="Retângulo 34">
+              <a:extLst>
+                <a:ext uri="{FF2B5EF4-FFF2-40B4-BE49-F238E27FC236}">
+                  <a16:creationId xmlns:a16="http://schemas.microsoft.com/office/drawing/2014/main" id="{8F30362E-CBD6-5D86-F688-A381E078064A}"/>
+                </a:ext>
+              </a:extLst>
+            </p:cNvPr>
+            <p:cNvSpPr/>
+            <p:nvPr/>
+          </p:nvSpPr>
+          <p:spPr>
+            <a:xfrm>
+              <a:off x="5619999" y="1570829"/>
+              <a:ext cx="751840" cy="365760"/>
+            </a:xfrm>
+            <a:prstGeom prst="rect">
+              <a:avLst/>
+            </a:prstGeom>
+            <a:solidFill>
+              <a:schemeClr val="bg1">
+                <a:lumMod val="75000"/>
+              </a:schemeClr>
+            </a:solidFill>
+            <a:ln w="19050">
+              <a:solidFill>
+                <a:schemeClr val="tx1"/>
+              </a:solidFill>
+            </a:ln>
+          </p:spPr>
+          <p:style>
+            <a:lnRef idx="2">
+              <a:schemeClr val="accent1">
+                <a:shade val="50000"/>
+              </a:schemeClr>
+            </a:lnRef>
+            <a:fillRef idx="1">
+              <a:schemeClr val="accent1"/>
+            </a:fillRef>
+            <a:effectRef idx="0">
+              <a:schemeClr val="accent1"/>
+            </a:effectRef>
+            <a:fontRef idx="minor">
+              <a:schemeClr val="lt1"/>
+            </a:fontRef>
+          </p:style>
+          <p:txBody>
+            <a:bodyPr rtlCol="0" anchor="ctr"/>
+            <a:lstStyle/>
+            <a:p>
+              <a:pPr algn="ctr"/>
+              <a:r>
+                <a:rPr lang="pt-BR" sz="2000" dirty="0">
+                  <a:effectLst>
+                    <a:outerShdw blurRad="38100" dist="38100" dir="2700000" algn="tl">
+                      <a:srgbClr val="000000">
+                        <a:alpha val="43137"/>
+                      </a:srgbClr>
+                    </a:outerShdw>
+                  </a:effectLst>
+                  <a:latin typeface="Times New Roman" panose="02020603050405020304" pitchFamily="18" charset="0"/>
+                  <a:cs typeface="Times New Roman" panose="02020603050405020304" pitchFamily="18" charset="0"/>
+                </a:rPr>
+                <a:t>7.3</a:t>
+              </a:r>
+            </a:p>
+          </p:txBody>
+        </p:sp>
+        <p:sp>
+          <p:nvSpPr>
+            <p:cNvPr id="20" name="Retângulo 35">
+              <a:extLst>
+                <a:ext uri="{FF2B5EF4-FFF2-40B4-BE49-F238E27FC236}">
+                  <a16:creationId xmlns:a16="http://schemas.microsoft.com/office/drawing/2014/main" id="{4D002ACC-F517-F08C-89C7-B1797CB52824}"/>
+                </a:ext>
+              </a:extLst>
+            </p:cNvPr>
+            <p:cNvSpPr/>
+            <p:nvPr/>
+          </p:nvSpPr>
+          <p:spPr>
+            <a:xfrm>
+              <a:off x="5619999" y="1936589"/>
+              <a:ext cx="751840" cy="365760"/>
+            </a:xfrm>
+            <a:prstGeom prst="rect">
+              <a:avLst/>
+            </a:prstGeom>
+            <a:solidFill>
+              <a:schemeClr val="bg1">
+                <a:lumMod val="75000"/>
+              </a:schemeClr>
+            </a:solidFill>
+            <a:ln w="19050">
+              <a:solidFill>
+                <a:schemeClr val="tx1"/>
+              </a:solidFill>
+            </a:ln>
+          </p:spPr>
+          <p:style>
+            <a:lnRef idx="2">
+              <a:schemeClr val="accent1">
+                <a:shade val="50000"/>
+              </a:schemeClr>
+            </a:lnRef>
+            <a:fillRef idx="1">
+              <a:schemeClr val="accent1"/>
+            </a:fillRef>
+            <a:effectRef idx="0">
+              <a:schemeClr val="accent1"/>
+            </a:effectRef>
+            <a:fontRef idx="minor">
+              <a:schemeClr val="lt1"/>
+            </a:fontRef>
+          </p:style>
+          <p:txBody>
+            <a:bodyPr rtlCol="0" anchor="ctr"/>
+            <a:lstStyle/>
+            <a:p>
+              <a:pPr algn="ctr"/>
+              <a:r>
+                <a:rPr lang="pt-BR" sz="2000" dirty="0">
+                  <a:effectLst>
+                    <a:outerShdw blurRad="38100" dist="38100" dir="2700000" algn="tl">
+                      <a:srgbClr val="000000">
+                        <a:alpha val="43137"/>
+                      </a:srgbClr>
+                    </a:outerShdw>
+                  </a:effectLst>
+                  <a:latin typeface="Times New Roman" panose="02020603050405020304" pitchFamily="18" charset="0"/>
+                  <a:cs typeface="Times New Roman" panose="02020603050405020304" pitchFamily="18" charset="0"/>
+                </a:rPr>
+                <a:t>6.7</a:t>
+              </a:r>
+            </a:p>
+          </p:txBody>
+        </p:sp>
+        <p:sp>
+          <p:nvSpPr>
+            <p:cNvPr id="21" name="Retângulo 37">
+              <a:extLst>
+                <a:ext uri="{FF2B5EF4-FFF2-40B4-BE49-F238E27FC236}">
+                  <a16:creationId xmlns:a16="http://schemas.microsoft.com/office/drawing/2014/main" id="{0761A1D5-C48F-0F0D-071A-DC6A41A510AD}"/>
+                </a:ext>
+              </a:extLst>
+            </p:cNvPr>
+            <p:cNvSpPr/>
+            <p:nvPr/>
+          </p:nvSpPr>
+          <p:spPr>
+            <a:xfrm>
+              <a:off x="6442959" y="839309"/>
+              <a:ext cx="751840" cy="365760"/>
+            </a:xfrm>
+            <a:prstGeom prst="rect">
+              <a:avLst/>
+            </a:prstGeom>
+            <a:ln w="19050">
+              <a:solidFill>
+                <a:schemeClr val="tx1"/>
+              </a:solidFill>
+            </a:ln>
+          </p:spPr>
+          <p:style>
+            <a:lnRef idx="2">
+              <a:schemeClr val="accent1">
+                <a:shade val="50000"/>
+              </a:schemeClr>
+            </a:lnRef>
+            <a:fillRef idx="1">
+              <a:schemeClr val="accent1"/>
+            </a:fillRef>
+            <a:effectRef idx="0">
+              <a:schemeClr val="accent1"/>
+            </a:effectRef>
+            <a:fontRef idx="minor">
+              <a:schemeClr val="lt1"/>
+            </a:fontRef>
+          </p:style>
+          <p:txBody>
+            <a:bodyPr rtlCol="0" anchor="ctr"/>
+            <a:lstStyle/>
+            <a:p>
+              <a:pPr algn="ctr"/>
+              <a:r>
+                <a:rPr lang="pt-BR" sz="2000" dirty="0">
+                  <a:effectLst>
+                    <a:outerShdw blurRad="38100" dist="38100" dir="2700000" algn="tl">
+                      <a:srgbClr val="000000">
+                        <a:alpha val="43137"/>
+                      </a:srgbClr>
+                    </a:outerShdw>
+                  </a:effectLst>
+                  <a:latin typeface="Times New Roman" panose="02020603050405020304" pitchFamily="18" charset="0"/>
+                  <a:cs typeface="Times New Roman" panose="02020603050405020304" pitchFamily="18" charset="0"/>
+                </a:rPr>
+                <a:t>área</a:t>
+              </a:r>
+            </a:p>
+          </p:txBody>
+        </p:sp>
+        <p:sp>
+          <p:nvSpPr>
+            <p:cNvPr id="22" name="Retângulo 38">
+              <a:extLst>
+                <a:ext uri="{FF2B5EF4-FFF2-40B4-BE49-F238E27FC236}">
+                  <a16:creationId xmlns:a16="http://schemas.microsoft.com/office/drawing/2014/main" id="{DB11D0DB-6ED1-B4E0-1C2C-D720F038397B}"/>
+                </a:ext>
+              </a:extLst>
+            </p:cNvPr>
+            <p:cNvSpPr/>
+            <p:nvPr/>
+          </p:nvSpPr>
+          <p:spPr>
+            <a:xfrm>
+              <a:off x="6442959" y="1205069"/>
+              <a:ext cx="751840" cy="365760"/>
+            </a:xfrm>
+            <a:prstGeom prst="rect">
+              <a:avLst/>
+            </a:prstGeom>
+            <a:solidFill>
+              <a:schemeClr val="bg1">
+                <a:lumMod val="75000"/>
+              </a:schemeClr>
+            </a:solidFill>
+            <a:ln w="19050">
+              <a:solidFill>
+                <a:schemeClr val="tx1"/>
+              </a:solidFill>
+            </a:ln>
+          </p:spPr>
+          <p:style>
+            <a:lnRef idx="2">
+              <a:schemeClr val="accent1">
+                <a:shade val="50000"/>
+              </a:schemeClr>
+            </a:lnRef>
+            <a:fillRef idx="1">
+              <a:schemeClr val="accent1"/>
+            </a:fillRef>
+            <a:effectRef idx="0">
+              <a:schemeClr val="accent1"/>
+            </a:effectRef>
+            <a:fontRef idx="minor">
+              <a:schemeClr val="lt1"/>
+            </a:fontRef>
+          </p:style>
+          <p:txBody>
+            <a:bodyPr rtlCol="0" anchor="ctr"/>
+            <a:lstStyle/>
+            <a:p>
+              <a:pPr algn="ctr"/>
+              <a:r>
+                <a:rPr lang="pt-BR" sz="2000" dirty="0">
+                  <a:effectLst>
+                    <a:outerShdw blurRad="38100" dist="38100" dir="2700000" algn="tl">
+                      <a:srgbClr val="000000">
+                        <a:alpha val="43137"/>
+                      </a:srgbClr>
+                    </a:outerShdw>
+                  </a:effectLst>
+                  <a:latin typeface="Times New Roman" panose="02020603050405020304" pitchFamily="18" charset="0"/>
+                  <a:cs typeface="Times New Roman" panose="02020603050405020304" pitchFamily="18" charset="0"/>
+                </a:rPr>
+                <a:t>0.31</a:t>
+              </a:r>
+            </a:p>
+          </p:txBody>
+        </p:sp>
+        <p:sp>
+          <p:nvSpPr>
+            <p:cNvPr id="23" name="Retângulo 39">
+              <a:extLst>
+                <a:ext uri="{FF2B5EF4-FFF2-40B4-BE49-F238E27FC236}">
+                  <a16:creationId xmlns:a16="http://schemas.microsoft.com/office/drawing/2014/main" id="{0D4C0A37-907B-7950-51E7-711CB4645729}"/>
+                </a:ext>
+              </a:extLst>
+            </p:cNvPr>
+            <p:cNvSpPr/>
+            <p:nvPr/>
+          </p:nvSpPr>
+          <p:spPr>
+            <a:xfrm>
+              <a:off x="6442959" y="1570829"/>
+              <a:ext cx="751840" cy="365760"/>
+            </a:xfrm>
+            <a:prstGeom prst="rect">
+              <a:avLst/>
+            </a:prstGeom>
+            <a:solidFill>
+              <a:schemeClr val="bg1">
+                <a:lumMod val="75000"/>
+              </a:schemeClr>
+            </a:solidFill>
+            <a:ln w="19050">
+              <a:solidFill>
+                <a:schemeClr val="tx1"/>
+              </a:solidFill>
+            </a:ln>
+          </p:spPr>
+          <p:style>
+            <a:lnRef idx="2">
+              <a:schemeClr val="accent1">
+                <a:shade val="50000"/>
+              </a:schemeClr>
+            </a:lnRef>
+            <a:fillRef idx="1">
+              <a:schemeClr val="accent1"/>
+            </a:fillRef>
+            <a:effectRef idx="0">
+              <a:schemeClr val="accent1"/>
+            </a:effectRef>
+            <a:fontRef idx="minor">
+              <a:schemeClr val="lt1"/>
+            </a:fontRef>
+          </p:style>
+          <p:txBody>
+            <a:bodyPr rtlCol="0" anchor="ctr"/>
+            <a:lstStyle/>
+            <a:p>
+              <a:pPr algn="ctr"/>
+              <a:r>
+                <a:rPr lang="pt-BR" sz="2000" dirty="0">
+                  <a:effectLst>
+                    <a:outerShdw blurRad="38100" dist="38100" dir="2700000" algn="tl">
+                      <a:srgbClr val="000000">
+                        <a:alpha val="43137"/>
+                      </a:srgbClr>
+                    </a:outerShdw>
+                  </a:effectLst>
+                  <a:latin typeface="Times New Roman" panose="02020603050405020304" pitchFamily="18" charset="0"/>
+                  <a:cs typeface="Times New Roman" panose="02020603050405020304" pitchFamily="18" charset="0"/>
+                </a:rPr>
+                <a:t>0.52</a:t>
+              </a:r>
+            </a:p>
+          </p:txBody>
+        </p:sp>
+        <p:sp>
+          <p:nvSpPr>
+            <p:cNvPr id="24" name="Retângulo 40">
+              <a:extLst>
+                <a:ext uri="{FF2B5EF4-FFF2-40B4-BE49-F238E27FC236}">
+                  <a16:creationId xmlns:a16="http://schemas.microsoft.com/office/drawing/2014/main" id="{108C242D-975B-94DF-6AFB-BEA23D7D3C86}"/>
+                </a:ext>
+              </a:extLst>
+            </p:cNvPr>
+            <p:cNvSpPr/>
+            <p:nvPr/>
+          </p:nvSpPr>
+          <p:spPr>
+            <a:xfrm>
+              <a:off x="6442959" y="1936589"/>
+              <a:ext cx="751840" cy="365760"/>
+            </a:xfrm>
+            <a:prstGeom prst="rect">
+              <a:avLst/>
+            </a:prstGeom>
+            <a:solidFill>
+              <a:schemeClr val="bg1">
+                <a:lumMod val="75000"/>
+              </a:schemeClr>
+            </a:solidFill>
+            <a:ln w="19050">
+              <a:solidFill>
+                <a:schemeClr val="tx1"/>
+              </a:solidFill>
+            </a:ln>
+          </p:spPr>
+          <p:style>
+            <a:lnRef idx="2">
+              <a:schemeClr val="accent1">
+                <a:shade val="50000"/>
+              </a:schemeClr>
+            </a:lnRef>
+            <a:fillRef idx="1">
+              <a:schemeClr val="accent1"/>
+            </a:fillRef>
+            <a:effectRef idx="0">
+              <a:schemeClr val="accent1"/>
+            </a:effectRef>
+            <a:fontRef idx="minor">
+              <a:schemeClr val="lt1"/>
+            </a:fontRef>
+          </p:style>
+          <p:txBody>
+            <a:bodyPr rtlCol="0" anchor="ctr"/>
+            <a:lstStyle/>
+            <a:p>
+              <a:pPr algn="ctr"/>
+              <a:r>
+                <a:rPr lang="pt-BR" sz="2000" dirty="0">
+                  <a:effectLst>
+                    <a:outerShdw blurRad="38100" dist="38100" dir="2700000" algn="tl">
+                      <a:srgbClr val="000000">
+                        <a:alpha val="43137"/>
+                      </a:srgbClr>
+                    </a:outerShdw>
+                  </a:effectLst>
+                  <a:latin typeface="Times New Roman" panose="02020603050405020304" pitchFamily="18" charset="0"/>
+                  <a:cs typeface="Times New Roman" panose="02020603050405020304" pitchFamily="18" charset="0"/>
+                </a:rPr>
+                <a:t>0.21</a:t>
+              </a:r>
+            </a:p>
+          </p:txBody>
+        </p:sp>
+        <p:sp>
+          <p:nvSpPr>
+            <p:cNvPr id="25" name="Retângulo 43">
+              <a:extLst>
+                <a:ext uri="{FF2B5EF4-FFF2-40B4-BE49-F238E27FC236}">
+                  <a16:creationId xmlns:a16="http://schemas.microsoft.com/office/drawing/2014/main" id="{30830651-0207-6180-53B7-A74BB169D0EC}"/>
+                </a:ext>
+              </a:extLst>
+            </p:cNvPr>
+            <p:cNvSpPr/>
+            <p:nvPr/>
+          </p:nvSpPr>
+          <p:spPr>
+            <a:xfrm>
+              <a:off x="6442959" y="2514600"/>
+              <a:ext cx="751840" cy="365760"/>
+            </a:xfrm>
+            <a:prstGeom prst="rect">
+              <a:avLst/>
+            </a:prstGeom>
+            <a:solidFill>
+              <a:schemeClr val="bg1">
+                <a:lumMod val="75000"/>
+              </a:schemeClr>
+            </a:solidFill>
+            <a:ln w="19050">
+              <a:solidFill>
+                <a:schemeClr val="tx1"/>
+              </a:solidFill>
+            </a:ln>
+          </p:spPr>
+          <p:style>
+            <a:lnRef idx="2">
+              <a:schemeClr val="accent1">
+                <a:shade val="50000"/>
+              </a:schemeClr>
+            </a:lnRef>
+            <a:fillRef idx="1">
+              <a:schemeClr val="accent1"/>
+            </a:fillRef>
+            <a:effectRef idx="0">
+              <a:schemeClr val="accent1"/>
+            </a:effectRef>
+            <a:fontRef idx="minor">
+              <a:schemeClr val="lt1"/>
+            </a:fontRef>
+          </p:style>
+          <p:txBody>
+            <a:bodyPr rtlCol="0" anchor="ctr"/>
+            <a:lstStyle/>
+            <a:p>
+              <a:pPr algn="ctr"/>
+              <a:r>
+                <a:rPr lang="pt-BR" sz="2000" dirty="0">
+                  <a:effectLst>
+                    <a:outerShdw blurRad="38100" dist="38100" dir="2700000" algn="tl">
+                      <a:srgbClr val="000000">
+                        <a:alpha val="43137"/>
+                      </a:srgbClr>
+                    </a:outerShdw>
+                  </a:effectLst>
+                  <a:latin typeface="Times New Roman" panose="02020603050405020304" pitchFamily="18" charset="0"/>
+                  <a:cs typeface="Times New Roman" panose="02020603050405020304" pitchFamily="18" charset="0"/>
+                </a:rPr>
+                <a:t>0.11</a:t>
+              </a:r>
+            </a:p>
+          </p:txBody>
+        </p:sp>
+        <p:sp>
+          <p:nvSpPr>
+            <p:cNvPr id="26" name="Retângulo 44">
+              <a:extLst>
+                <a:ext uri="{FF2B5EF4-FFF2-40B4-BE49-F238E27FC236}">
+                  <a16:creationId xmlns:a16="http://schemas.microsoft.com/office/drawing/2014/main" id="{CF7A8E4F-CF4E-ABD1-0B08-23B8412159DC}"/>
+                </a:ext>
+              </a:extLst>
+            </p:cNvPr>
+            <p:cNvSpPr/>
+            <p:nvPr/>
+          </p:nvSpPr>
+          <p:spPr>
+            <a:xfrm>
+              <a:off x="6442959" y="2880360"/>
+              <a:ext cx="751840" cy="365760"/>
+            </a:xfrm>
+            <a:prstGeom prst="rect">
+              <a:avLst/>
+            </a:prstGeom>
+            <a:solidFill>
+              <a:schemeClr val="bg1">
+                <a:lumMod val="75000"/>
+              </a:schemeClr>
+            </a:solidFill>
+            <a:ln w="19050">
+              <a:solidFill>
+                <a:schemeClr val="tx1"/>
+              </a:solidFill>
+            </a:ln>
+          </p:spPr>
+          <p:style>
+            <a:lnRef idx="2">
+              <a:schemeClr val="accent1">
+                <a:shade val="50000"/>
+              </a:schemeClr>
+            </a:lnRef>
+            <a:fillRef idx="1">
+              <a:schemeClr val="accent1"/>
+            </a:fillRef>
+            <a:effectRef idx="0">
+              <a:schemeClr val="accent1"/>
+            </a:effectRef>
+            <a:fontRef idx="minor">
+              <a:schemeClr val="lt1"/>
+            </a:fontRef>
+          </p:style>
+          <p:txBody>
+            <a:bodyPr rtlCol="0" anchor="ctr"/>
+            <a:lstStyle/>
+            <a:p>
+              <a:pPr algn="ctr"/>
+              <a:r>
+                <a:rPr lang="pt-BR" sz="2000" dirty="0">
+                  <a:effectLst>
+                    <a:outerShdw blurRad="38100" dist="38100" dir="2700000" algn="tl">
+                      <a:srgbClr val="000000">
+                        <a:alpha val="43137"/>
+                      </a:srgbClr>
+                    </a:outerShdw>
+                  </a:effectLst>
+                  <a:latin typeface="Times New Roman" panose="02020603050405020304" pitchFamily="18" charset="0"/>
+                  <a:cs typeface="Times New Roman" panose="02020603050405020304" pitchFamily="18" charset="0"/>
+                </a:rPr>
+                <a:t>0.09</a:t>
+              </a:r>
+            </a:p>
+          </p:txBody>
+        </p:sp>
+        <p:sp>
+          <p:nvSpPr>
+            <p:cNvPr id="27" name="Retângulo 45">
+              <a:extLst>
+                <a:ext uri="{FF2B5EF4-FFF2-40B4-BE49-F238E27FC236}">
+                  <a16:creationId xmlns:a16="http://schemas.microsoft.com/office/drawing/2014/main" id="{699F01DE-E869-0437-BA07-110D83F05D0D}"/>
+                </a:ext>
+              </a:extLst>
+            </p:cNvPr>
+            <p:cNvSpPr/>
+            <p:nvPr/>
+          </p:nvSpPr>
+          <p:spPr>
+            <a:xfrm>
+              <a:off x="6442959" y="3246120"/>
+              <a:ext cx="751840" cy="365760"/>
+            </a:xfrm>
+            <a:prstGeom prst="rect">
+              <a:avLst/>
+            </a:prstGeom>
+            <a:solidFill>
+              <a:schemeClr val="bg1">
+                <a:lumMod val="75000"/>
+              </a:schemeClr>
+            </a:solidFill>
+            <a:ln w="19050">
+              <a:solidFill>
+                <a:schemeClr val="tx1"/>
+              </a:solidFill>
+            </a:ln>
+          </p:spPr>
+          <p:style>
+            <a:lnRef idx="2">
+              <a:schemeClr val="accent1">
+                <a:shade val="50000"/>
+              </a:schemeClr>
+            </a:lnRef>
+            <a:fillRef idx="1">
+              <a:schemeClr val="accent1"/>
+            </a:fillRef>
+            <a:effectRef idx="0">
+              <a:schemeClr val="accent1"/>
+            </a:effectRef>
+            <a:fontRef idx="minor">
+              <a:schemeClr val="lt1"/>
+            </a:fontRef>
+          </p:style>
+          <p:txBody>
+            <a:bodyPr rtlCol="0" anchor="ctr"/>
+            <a:lstStyle/>
+            <a:p>
+              <a:pPr algn="ctr"/>
+              <a:r>
+                <a:rPr lang="pt-BR" sz="2000" dirty="0">
+                  <a:effectLst>
+                    <a:outerShdw blurRad="38100" dist="38100" dir="2700000" algn="tl">
+                      <a:srgbClr val="000000">
+                        <a:alpha val="43137"/>
+                      </a:srgbClr>
+                    </a:outerShdw>
+                  </a:effectLst>
+                  <a:latin typeface="Times New Roman" panose="02020603050405020304" pitchFamily="18" charset="0"/>
+                  <a:cs typeface="Times New Roman" panose="02020603050405020304" pitchFamily="18" charset="0"/>
+                </a:rPr>
+                <a:t>0.16</a:t>
+              </a:r>
+            </a:p>
+          </p:txBody>
+        </p:sp>
+        <p:sp>
+          <p:nvSpPr>
+            <p:cNvPr id="28" name="Retângulo 43">
+              <a:extLst>
+                <a:ext uri="{FF2B5EF4-FFF2-40B4-BE49-F238E27FC236}">
+                  <a16:creationId xmlns:a16="http://schemas.microsoft.com/office/drawing/2014/main" id="{E97B5BB3-7A7E-E321-71BB-429D9ADC408F}"/>
+                </a:ext>
+              </a:extLst>
+            </p:cNvPr>
+            <p:cNvSpPr/>
+            <p:nvPr/>
+          </p:nvSpPr>
+          <p:spPr>
+            <a:xfrm>
+              <a:off x="5619999" y="2514600"/>
+              <a:ext cx="751840" cy="365760"/>
+            </a:xfrm>
+            <a:prstGeom prst="rect">
+              <a:avLst/>
+            </a:prstGeom>
+            <a:solidFill>
+              <a:schemeClr val="bg1">
+                <a:lumMod val="75000"/>
+              </a:schemeClr>
+            </a:solidFill>
+            <a:ln w="19050">
+              <a:solidFill>
+                <a:schemeClr val="tx1"/>
+              </a:solidFill>
+            </a:ln>
+          </p:spPr>
+          <p:style>
+            <a:lnRef idx="2">
+              <a:schemeClr val="accent1">
+                <a:shade val="50000"/>
+              </a:schemeClr>
+            </a:lnRef>
+            <a:fillRef idx="1">
+              <a:schemeClr val="accent1"/>
+            </a:fillRef>
+            <a:effectRef idx="0">
+              <a:schemeClr val="accent1"/>
+            </a:effectRef>
+            <a:fontRef idx="minor">
+              <a:schemeClr val="lt1"/>
+            </a:fontRef>
+          </p:style>
+          <p:txBody>
+            <a:bodyPr rtlCol="0" anchor="ctr"/>
+            <a:lstStyle/>
+            <a:p>
+              <a:pPr algn="ctr"/>
+              <a:r>
+                <a:rPr lang="pt-BR" sz="2000" dirty="0">
+                  <a:effectLst>
+                    <a:outerShdw blurRad="38100" dist="38100" dir="2700000" algn="tl">
+                      <a:srgbClr val="000000">
+                        <a:alpha val="43137"/>
+                      </a:srgbClr>
+                    </a:outerShdw>
+                  </a:effectLst>
+                  <a:latin typeface="Times New Roman" panose="02020603050405020304" pitchFamily="18" charset="0"/>
+                  <a:cs typeface="Times New Roman" panose="02020603050405020304" pitchFamily="18" charset="0"/>
+                </a:rPr>
+                <a:t>9.8</a:t>
+              </a:r>
+            </a:p>
+          </p:txBody>
+        </p:sp>
+        <p:sp>
+          <p:nvSpPr>
+            <p:cNvPr id="29" name="Retângulo 44">
+              <a:extLst>
+                <a:ext uri="{FF2B5EF4-FFF2-40B4-BE49-F238E27FC236}">
+                  <a16:creationId xmlns:a16="http://schemas.microsoft.com/office/drawing/2014/main" id="{7AB1B3C5-35E6-7BBE-275C-5F6256C6FA2D}"/>
+                </a:ext>
+              </a:extLst>
+            </p:cNvPr>
+            <p:cNvSpPr/>
+            <p:nvPr/>
+          </p:nvSpPr>
+          <p:spPr>
+            <a:xfrm>
+              <a:off x="5619999" y="2880360"/>
+              <a:ext cx="751840" cy="365760"/>
+            </a:xfrm>
+            <a:prstGeom prst="rect">
+              <a:avLst/>
+            </a:prstGeom>
+            <a:solidFill>
+              <a:schemeClr val="bg1">
+                <a:lumMod val="75000"/>
+              </a:schemeClr>
+            </a:solidFill>
+            <a:ln w="19050">
+              <a:solidFill>
+                <a:schemeClr val="tx1"/>
+              </a:solidFill>
+            </a:ln>
+          </p:spPr>
+          <p:style>
+            <a:lnRef idx="2">
+              <a:schemeClr val="accent1">
+                <a:shade val="50000"/>
+              </a:schemeClr>
+            </a:lnRef>
+            <a:fillRef idx="1">
+              <a:schemeClr val="accent1"/>
+            </a:fillRef>
+            <a:effectRef idx="0">
+              <a:schemeClr val="accent1"/>
+            </a:effectRef>
+            <a:fontRef idx="minor">
+              <a:schemeClr val="lt1"/>
+            </a:fontRef>
+          </p:style>
+          <p:txBody>
+            <a:bodyPr rtlCol="0" anchor="ctr"/>
+            <a:lstStyle/>
+            <a:p>
+              <a:pPr algn="ctr"/>
+              <a:r>
+                <a:rPr lang="pt-BR" sz="2000" dirty="0">
+                  <a:effectLst>
+                    <a:outerShdw blurRad="38100" dist="38100" dir="2700000" algn="tl">
+                      <a:srgbClr val="000000">
+                        <a:alpha val="43137"/>
+                      </a:srgbClr>
+                    </a:outerShdw>
+                  </a:effectLst>
+                  <a:latin typeface="Times New Roman" panose="02020603050405020304" pitchFamily="18" charset="0"/>
+                  <a:cs typeface="Times New Roman" panose="02020603050405020304" pitchFamily="18" charset="0"/>
+                </a:rPr>
+                <a:t>7.7</a:t>
+              </a:r>
+            </a:p>
+          </p:txBody>
+        </p:sp>
+        <p:sp>
+          <p:nvSpPr>
+            <p:cNvPr id="30" name="Retângulo 45">
+              <a:extLst>
+                <a:ext uri="{FF2B5EF4-FFF2-40B4-BE49-F238E27FC236}">
+                  <a16:creationId xmlns:a16="http://schemas.microsoft.com/office/drawing/2014/main" id="{9CC2E893-79FA-AE17-02D0-BBFBB9818DBB}"/>
+                </a:ext>
+              </a:extLst>
+            </p:cNvPr>
+            <p:cNvSpPr/>
+            <p:nvPr/>
+          </p:nvSpPr>
+          <p:spPr>
+            <a:xfrm>
+              <a:off x="5619999" y="3246120"/>
+              <a:ext cx="751840" cy="365760"/>
+            </a:xfrm>
+            <a:prstGeom prst="rect">
+              <a:avLst/>
+            </a:prstGeom>
+            <a:solidFill>
+              <a:schemeClr val="bg1">
+                <a:lumMod val="75000"/>
+              </a:schemeClr>
+            </a:solidFill>
+            <a:ln w="19050">
+              <a:solidFill>
+                <a:schemeClr val="tx1"/>
+              </a:solidFill>
+            </a:ln>
+          </p:spPr>
+          <p:style>
+            <a:lnRef idx="2">
+              <a:schemeClr val="accent1">
+                <a:shade val="50000"/>
+              </a:schemeClr>
+            </a:lnRef>
+            <a:fillRef idx="1">
+              <a:schemeClr val="accent1"/>
+            </a:fillRef>
+            <a:effectRef idx="0">
+              <a:schemeClr val="accent1"/>
+            </a:effectRef>
+            <a:fontRef idx="minor">
+              <a:schemeClr val="lt1"/>
+            </a:fontRef>
+          </p:style>
+          <p:txBody>
+            <a:bodyPr rtlCol="0" anchor="ctr"/>
+            <a:lstStyle/>
+            <a:p>
+              <a:pPr algn="ctr"/>
+              <a:r>
+                <a:rPr lang="pt-BR" sz="2000" dirty="0">
+                  <a:effectLst>
+                    <a:outerShdw blurRad="38100" dist="38100" dir="2700000" algn="tl">
+                      <a:srgbClr val="000000">
+                        <a:alpha val="43137"/>
+                      </a:srgbClr>
+                    </a:outerShdw>
+                  </a:effectLst>
+                  <a:latin typeface="Times New Roman" panose="02020603050405020304" pitchFamily="18" charset="0"/>
+                  <a:cs typeface="Times New Roman" panose="02020603050405020304" pitchFamily="18" charset="0"/>
+                </a:rPr>
+                <a:t>12.3</a:t>
+              </a:r>
+            </a:p>
+          </p:txBody>
+        </p:sp>
+        <p:sp>
+          <p:nvSpPr>
+            <p:cNvPr id="32" name="Rectangle 31">
+              <a:extLst>
+                <a:ext uri="{FF2B5EF4-FFF2-40B4-BE49-F238E27FC236}">
+                  <a16:creationId xmlns:a16="http://schemas.microsoft.com/office/drawing/2014/main" id="{0D05FAB8-869D-FC5E-1195-FD98C1175FEE}"/>
+                </a:ext>
+              </a:extLst>
+            </p:cNvPr>
+            <p:cNvSpPr/>
+            <p:nvPr/>
+          </p:nvSpPr>
+          <p:spPr>
+            <a:xfrm>
+              <a:off x="4239114" y="4267402"/>
+              <a:ext cx="1045195" cy="566531"/>
+            </a:xfrm>
+            <a:prstGeom prst="rect">
+              <a:avLst/>
+            </a:prstGeom>
+            <a:solidFill>
+              <a:schemeClr val="accent2"/>
+            </a:solidFill>
+            <a:ln w="19050">
+              <a:solidFill>
+                <a:schemeClr val="tx1"/>
+              </a:solidFill>
+            </a:ln>
+          </p:spPr>
+          <p:style>
+            <a:lnRef idx="2">
+              <a:schemeClr val="accent1">
+                <a:shade val="50000"/>
+              </a:schemeClr>
+            </a:lnRef>
+            <a:fillRef idx="1">
+              <a:schemeClr val="accent1"/>
+            </a:fillRef>
+            <a:effectRef idx="0">
+              <a:schemeClr val="accent1"/>
+            </a:effectRef>
+            <a:fontRef idx="minor">
+              <a:schemeClr val="lt1"/>
+            </a:fontRef>
+          </p:style>
+          <p:txBody>
+            <a:bodyPr rtlCol="0" anchor="ctr"/>
+            <a:lstStyle/>
+            <a:p>
+              <a:pPr algn="ctr"/>
+              <a:r>
+                <a:rPr lang="pt-BR" dirty="0">
+                  <a:effectLst>
+                    <a:outerShdw blurRad="38100" dist="38100" dir="2700000" algn="tl">
+                      <a:srgbClr val="000000">
+                        <a:alpha val="43137"/>
+                      </a:srgbClr>
+                    </a:outerShdw>
+                  </a:effectLst>
+                  <a:latin typeface="Times New Roman" panose="02020603050405020304" pitchFamily="18" charset="0"/>
+                  <a:cs typeface="Times New Roman" panose="02020603050405020304" pitchFamily="18" charset="0"/>
+                </a:rPr>
+                <a:t>ANOVA</a:t>
+              </a:r>
+            </a:p>
+          </p:txBody>
+        </p:sp>
+        <p:sp>
+          <p:nvSpPr>
+            <p:cNvPr id="33" name="Rectangle 32">
+              <a:extLst>
+                <a:ext uri="{FF2B5EF4-FFF2-40B4-BE49-F238E27FC236}">
+                  <a16:creationId xmlns:a16="http://schemas.microsoft.com/office/drawing/2014/main" id="{7D5C5FD1-1533-4024-0BB9-28ED6068DF2E}"/>
+                </a:ext>
+              </a:extLst>
+            </p:cNvPr>
+            <p:cNvSpPr/>
+            <p:nvPr/>
+          </p:nvSpPr>
+          <p:spPr>
+            <a:xfrm>
+              <a:off x="2937916" y="4267404"/>
+              <a:ext cx="1045195" cy="566531"/>
+            </a:xfrm>
+            <a:prstGeom prst="rect">
+              <a:avLst/>
+            </a:prstGeom>
+            <a:solidFill>
+              <a:schemeClr val="accent2"/>
+            </a:solidFill>
+            <a:ln w="19050">
+              <a:solidFill>
+                <a:schemeClr val="tx1"/>
+              </a:solidFill>
+            </a:ln>
+          </p:spPr>
+          <p:style>
+            <a:lnRef idx="2">
+              <a:schemeClr val="accent1">
+                <a:shade val="50000"/>
+              </a:schemeClr>
+            </a:lnRef>
+            <a:fillRef idx="1">
+              <a:schemeClr val="accent1"/>
+            </a:fillRef>
+            <a:effectRef idx="0">
+              <a:schemeClr val="accent1"/>
+            </a:effectRef>
+            <a:fontRef idx="minor">
+              <a:schemeClr val="lt1"/>
+            </a:fontRef>
+          </p:style>
+          <p:txBody>
+            <a:bodyPr rtlCol="0" anchor="ctr"/>
+            <a:lstStyle/>
+            <a:p>
+              <a:pPr algn="ctr"/>
+              <a:r>
+                <a:rPr lang="pt-BR" dirty="0">
+                  <a:effectLst>
+                    <a:outerShdw blurRad="38100" dist="38100" dir="2700000" algn="tl">
+                      <a:srgbClr val="000000">
+                        <a:alpha val="43137"/>
+                      </a:srgbClr>
+                    </a:outerShdw>
+                  </a:effectLst>
+                  <a:latin typeface="Times New Roman" panose="02020603050405020304" pitchFamily="18" charset="0"/>
+                  <a:cs typeface="Times New Roman" panose="02020603050405020304" pitchFamily="18" charset="0"/>
+                </a:rPr>
+                <a:t>Teste </a:t>
+              </a:r>
+              <a:r>
+                <a:rPr lang="el-GR" dirty="0">
+                  <a:effectLst>
+                    <a:outerShdw blurRad="38100" dist="38100" dir="2700000" algn="tl">
+                      <a:srgbClr val="000000">
+                        <a:alpha val="43137"/>
+                      </a:srgbClr>
+                    </a:outerShdw>
+                  </a:effectLst>
+                  <a:latin typeface="Times New Roman" panose="02020603050405020304" pitchFamily="18" charset="0"/>
+                  <a:cs typeface="Times New Roman" panose="02020603050405020304" pitchFamily="18" charset="0"/>
+                </a:rPr>
+                <a:t>χ</a:t>
+              </a:r>
+              <a:r>
+                <a:rPr lang="pt-BR" baseline="30000" dirty="0">
+                  <a:effectLst>
+                    <a:outerShdw blurRad="38100" dist="38100" dir="2700000" algn="tl">
+                      <a:srgbClr val="000000">
+                        <a:alpha val="43137"/>
+                      </a:srgbClr>
+                    </a:outerShdw>
+                  </a:effectLst>
+                  <a:latin typeface="Times New Roman" panose="02020603050405020304" pitchFamily="18" charset="0"/>
+                  <a:cs typeface="Times New Roman" panose="02020603050405020304" pitchFamily="18" charset="0"/>
+                </a:rPr>
+                <a:t>2</a:t>
+              </a:r>
+            </a:p>
+          </p:txBody>
+        </p:sp>
+        <p:sp>
+          <p:nvSpPr>
+            <p:cNvPr id="34" name="Rectangle 33">
+              <a:extLst>
+                <a:ext uri="{FF2B5EF4-FFF2-40B4-BE49-F238E27FC236}">
+                  <a16:creationId xmlns:a16="http://schemas.microsoft.com/office/drawing/2014/main" id="{5B1A5F48-DACF-E277-442D-B04A13316F87}"/>
+                </a:ext>
+              </a:extLst>
+            </p:cNvPr>
+            <p:cNvSpPr/>
+            <p:nvPr/>
+          </p:nvSpPr>
+          <p:spPr>
+            <a:xfrm>
+              <a:off x="7194799" y="4267403"/>
+              <a:ext cx="1285883" cy="566531"/>
+            </a:xfrm>
+            <a:prstGeom prst="rect">
+              <a:avLst/>
+            </a:prstGeom>
+            <a:solidFill>
+              <a:schemeClr val="accent2"/>
+            </a:solidFill>
+            <a:ln w="19050">
+              <a:solidFill>
+                <a:schemeClr val="tx1"/>
+              </a:solidFill>
+            </a:ln>
+          </p:spPr>
+          <p:style>
+            <a:lnRef idx="2">
+              <a:schemeClr val="accent1">
+                <a:shade val="50000"/>
+              </a:schemeClr>
+            </a:lnRef>
+            <a:fillRef idx="1">
+              <a:schemeClr val="accent1"/>
+            </a:fillRef>
+            <a:effectRef idx="0">
+              <a:schemeClr val="accent1"/>
+            </a:effectRef>
+            <a:fontRef idx="minor">
+              <a:schemeClr val="lt1"/>
+            </a:fontRef>
+          </p:style>
+          <p:txBody>
+            <a:bodyPr rtlCol="0" anchor="ctr"/>
+            <a:lstStyle/>
+            <a:p>
+              <a:pPr algn="ctr"/>
+              <a:r>
+                <a:rPr lang="pt-BR" dirty="0" err="1">
+                  <a:effectLst>
+                    <a:outerShdw blurRad="38100" dist="38100" dir="2700000" algn="tl">
+                      <a:srgbClr val="000000">
+                        <a:alpha val="43137"/>
+                      </a:srgbClr>
+                    </a:outerShdw>
+                  </a:effectLst>
+                  <a:latin typeface="Times New Roman" panose="02020603050405020304" pitchFamily="18" charset="0"/>
+                  <a:cs typeface="Times New Roman" panose="02020603050405020304" pitchFamily="18" charset="0"/>
+                </a:rPr>
+                <a:t>Corerlação</a:t>
+              </a:r>
+              <a:r>
+                <a:rPr lang="pt-BR" dirty="0">
+                  <a:effectLst>
+                    <a:outerShdw blurRad="38100" dist="38100" dir="2700000" algn="tl">
+                      <a:srgbClr val="000000">
+                        <a:alpha val="43137"/>
+                      </a:srgbClr>
+                    </a:outerShdw>
+                  </a:effectLst>
+                  <a:latin typeface="Times New Roman" panose="02020603050405020304" pitchFamily="18" charset="0"/>
+                  <a:cs typeface="Times New Roman" panose="02020603050405020304" pitchFamily="18" charset="0"/>
+                </a:rPr>
+                <a:t> Pearson</a:t>
+              </a:r>
+              <a:endParaRPr lang="pt-BR" baseline="30000" dirty="0">
+                <a:effectLst>
+                  <a:outerShdw blurRad="38100" dist="38100" dir="2700000" algn="tl">
+                    <a:srgbClr val="000000">
+                      <a:alpha val="43137"/>
+                    </a:srgbClr>
+                  </a:outerShdw>
+                </a:effectLst>
+                <a:latin typeface="Times New Roman" panose="02020603050405020304" pitchFamily="18" charset="0"/>
+                <a:cs typeface="Times New Roman" panose="02020603050405020304" pitchFamily="18" charset="0"/>
+              </a:endParaRPr>
+            </a:p>
+          </p:txBody>
+        </p:sp>
+        <p:sp>
+          <p:nvSpPr>
+            <p:cNvPr id="35" name="Rectangle 34">
+              <a:extLst>
+                <a:ext uri="{FF2B5EF4-FFF2-40B4-BE49-F238E27FC236}">
+                  <a16:creationId xmlns:a16="http://schemas.microsoft.com/office/drawing/2014/main" id="{8F7A99FC-2EB8-4E75-CA16-D7ECCE1493B4}"/>
+                </a:ext>
+              </a:extLst>
+            </p:cNvPr>
+            <p:cNvSpPr/>
+            <p:nvPr/>
+          </p:nvSpPr>
+          <p:spPr>
+            <a:xfrm>
+              <a:off x="5611719" y="4268010"/>
+              <a:ext cx="1285883" cy="566531"/>
+            </a:xfrm>
+            <a:prstGeom prst="rect">
+              <a:avLst/>
+            </a:prstGeom>
+            <a:solidFill>
+              <a:schemeClr val="accent2"/>
+            </a:solidFill>
+            <a:ln w="19050">
+              <a:solidFill>
+                <a:schemeClr val="tx1"/>
+              </a:solidFill>
+            </a:ln>
+          </p:spPr>
+          <p:style>
+            <a:lnRef idx="2">
+              <a:schemeClr val="accent1">
+                <a:shade val="50000"/>
+              </a:schemeClr>
+            </a:lnRef>
+            <a:fillRef idx="1">
+              <a:schemeClr val="accent1"/>
+            </a:fillRef>
+            <a:effectRef idx="0">
+              <a:schemeClr val="accent1"/>
+            </a:effectRef>
+            <a:fontRef idx="minor">
+              <a:schemeClr val="lt1"/>
+            </a:fontRef>
+          </p:style>
+          <p:txBody>
+            <a:bodyPr rtlCol="0" anchor="ctr"/>
+            <a:lstStyle/>
+            <a:p>
+              <a:pPr algn="ctr"/>
+              <a:r>
+                <a:rPr lang="pt-BR" dirty="0" err="1">
+                  <a:effectLst>
+                    <a:outerShdw blurRad="38100" dist="38100" dir="2700000" algn="tl">
+                      <a:srgbClr val="000000">
+                        <a:alpha val="43137"/>
+                      </a:srgbClr>
+                    </a:outerShdw>
+                  </a:effectLst>
+                  <a:latin typeface="Times New Roman" panose="02020603050405020304" pitchFamily="18" charset="0"/>
+                  <a:cs typeface="Times New Roman" panose="02020603050405020304" pitchFamily="18" charset="0"/>
+                </a:rPr>
+                <a:t>Corerlação</a:t>
+              </a:r>
+              <a:r>
+                <a:rPr lang="pt-BR" dirty="0">
+                  <a:effectLst>
+                    <a:outerShdw blurRad="38100" dist="38100" dir="2700000" algn="tl">
+                      <a:srgbClr val="000000">
+                        <a:alpha val="43137"/>
+                      </a:srgbClr>
+                    </a:outerShdw>
+                  </a:effectLst>
+                  <a:latin typeface="Times New Roman" panose="02020603050405020304" pitchFamily="18" charset="0"/>
+                  <a:cs typeface="Times New Roman" panose="02020603050405020304" pitchFamily="18" charset="0"/>
+                </a:rPr>
+                <a:t> </a:t>
+              </a:r>
+              <a:r>
+                <a:rPr lang="pt-BR" dirty="0" err="1">
+                  <a:effectLst>
+                    <a:outerShdw blurRad="38100" dist="38100" dir="2700000" algn="tl">
+                      <a:srgbClr val="000000">
+                        <a:alpha val="43137"/>
+                      </a:srgbClr>
+                    </a:outerShdw>
+                  </a:effectLst>
+                  <a:latin typeface="Times New Roman" panose="02020603050405020304" pitchFamily="18" charset="0"/>
+                  <a:cs typeface="Times New Roman" panose="02020603050405020304" pitchFamily="18" charset="0"/>
+                </a:rPr>
+                <a:t>Spearman</a:t>
+              </a:r>
+              <a:endParaRPr lang="pt-BR" baseline="30000" dirty="0">
+                <a:effectLst>
+                  <a:outerShdw blurRad="38100" dist="38100" dir="2700000" algn="tl">
+                    <a:srgbClr val="000000">
+                      <a:alpha val="43137"/>
+                    </a:srgbClr>
+                  </a:outerShdw>
+                </a:effectLst>
+                <a:latin typeface="Times New Roman" panose="02020603050405020304" pitchFamily="18" charset="0"/>
+                <a:cs typeface="Times New Roman" panose="02020603050405020304" pitchFamily="18" charset="0"/>
+              </a:endParaRPr>
+            </a:p>
+          </p:txBody>
+        </p:sp>
+        <p:cxnSp>
+          <p:nvCxnSpPr>
+            <p:cNvPr id="44" name="Connector: Curved 43">
+              <a:extLst>
+                <a:ext uri="{FF2B5EF4-FFF2-40B4-BE49-F238E27FC236}">
+                  <a16:creationId xmlns:a16="http://schemas.microsoft.com/office/drawing/2014/main" id="{77E38F0F-5CBD-AF2B-4B99-54E788491CC2}"/>
+                </a:ext>
+              </a:extLst>
+            </p:cNvPr>
+            <p:cNvCxnSpPr>
+              <a:cxnSpLocks/>
+              <a:stCxn id="12" idx="2"/>
+              <a:endCxn id="33" idx="0"/>
+            </p:cNvCxnSpPr>
+            <p:nvPr/>
+          </p:nvCxnSpPr>
+          <p:spPr>
+            <a:xfrm rot="5400000">
+              <a:off x="3582011" y="3490384"/>
+              <a:ext cx="655524" cy="898517"/>
+            </a:xfrm>
+            <a:prstGeom prst="curvedConnector3">
+              <a:avLst>
+                <a:gd name="adj1" fmla="val 50000"/>
+              </a:avLst>
+            </a:prstGeom>
+          </p:spPr>
+          <p:style>
+            <a:lnRef idx="3">
+              <a:schemeClr val="dk1"/>
+            </a:lnRef>
+            <a:fillRef idx="0">
+              <a:schemeClr val="dk1"/>
+            </a:fillRef>
+            <a:effectRef idx="2">
+              <a:schemeClr val="dk1"/>
+            </a:effectRef>
+            <a:fontRef idx="minor">
+              <a:schemeClr val="tx1"/>
+            </a:fontRef>
+          </p:style>
+        </p:cxnSp>
+        <p:cxnSp>
+          <p:nvCxnSpPr>
+            <p:cNvPr id="47" name="Connector: Curved 46">
+              <a:extLst>
+                <a:ext uri="{FF2B5EF4-FFF2-40B4-BE49-F238E27FC236}">
+                  <a16:creationId xmlns:a16="http://schemas.microsoft.com/office/drawing/2014/main" id="{E86DA908-3799-8634-6F23-DBA2C7A55DD0}"/>
+                </a:ext>
+              </a:extLst>
+            </p:cNvPr>
+            <p:cNvCxnSpPr>
+              <a:cxnSpLocks/>
+              <a:stCxn id="30" idx="2"/>
+              <a:endCxn id="34" idx="0"/>
+            </p:cNvCxnSpPr>
+            <p:nvPr/>
+          </p:nvCxnSpPr>
+          <p:spPr>
+            <a:xfrm rot="16200000" flipH="1">
+              <a:off x="6589069" y="3018730"/>
+              <a:ext cx="655523" cy="1841822"/>
+            </a:xfrm>
+            <a:prstGeom prst="curvedConnector3">
+              <a:avLst>
+                <a:gd name="adj1" fmla="val 50000"/>
+              </a:avLst>
+            </a:prstGeom>
+          </p:spPr>
+          <p:style>
+            <a:lnRef idx="3">
+              <a:schemeClr val="dk1"/>
+            </a:lnRef>
+            <a:fillRef idx="0">
+              <a:schemeClr val="dk1"/>
+            </a:fillRef>
+            <a:effectRef idx="2">
+              <a:schemeClr val="dk1"/>
+            </a:effectRef>
+            <a:fontRef idx="minor">
+              <a:schemeClr val="tx1"/>
+            </a:fontRef>
+          </p:style>
+        </p:cxnSp>
+        <p:cxnSp>
+          <p:nvCxnSpPr>
+            <p:cNvPr id="52" name="Connector: Curved 51">
+              <a:extLst>
+                <a:ext uri="{FF2B5EF4-FFF2-40B4-BE49-F238E27FC236}">
+                  <a16:creationId xmlns:a16="http://schemas.microsoft.com/office/drawing/2014/main" id="{61603C86-7620-BD79-E6C2-ECA041007D40}"/>
+                </a:ext>
+              </a:extLst>
+            </p:cNvPr>
+            <p:cNvCxnSpPr>
+              <a:cxnSpLocks/>
+              <a:stCxn id="27" idx="2"/>
+              <a:endCxn id="34" idx="0"/>
+            </p:cNvCxnSpPr>
+            <p:nvPr/>
+          </p:nvCxnSpPr>
+          <p:spPr>
+            <a:xfrm rot="16200000" flipH="1">
+              <a:off x="7000549" y="3430210"/>
+              <a:ext cx="655523" cy="1018862"/>
+            </a:xfrm>
+            <a:prstGeom prst="curvedConnector3">
+              <a:avLst>
+                <a:gd name="adj1" fmla="val 50000"/>
+              </a:avLst>
+            </a:prstGeom>
+          </p:spPr>
+          <p:style>
+            <a:lnRef idx="3">
+              <a:schemeClr val="dk1"/>
+            </a:lnRef>
+            <a:fillRef idx="0">
+              <a:schemeClr val="dk1"/>
+            </a:fillRef>
+            <a:effectRef idx="2">
+              <a:schemeClr val="dk1"/>
+            </a:effectRef>
+            <a:fontRef idx="minor">
+              <a:schemeClr val="tx1"/>
+            </a:fontRef>
+          </p:style>
+        </p:cxnSp>
+        <p:cxnSp>
+          <p:nvCxnSpPr>
+            <p:cNvPr id="55" name="Connector: Curved 54">
+              <a:extLst>
+                <a:ext uri="{FF2B5EF4-FFF2-40B4-BE49-F238E27FC236}">
+                  <a16:creationId xmlns:a16="http://schemas.microsoft.com/office/drawing/2014/main" id="{829D7BB8-1530-AA75-88D6-2D0D7E88F0B5}"/>
+                </a:ext>
+              </a:extLst>
+            </p:cNvPr>
+            <p:cNvCxnSpPr>
+              <a:cxnSpLocks/>
+              <a:stCxn id="27" idx="2"/>
+              <a:endCxn id="35" idx="0"/>
+            </p:cNvCxnSpPr>
+            <p:nvPr/>
+          </p:nvCxnSpPr>
+          <p:spPr>
+            <a:xfrm rot="5400000">
+              <a:off x="6208705" y="3657836"/>
+              <a:ext cx="656130" cy="564218"/>
+            </a:xfrm>
+            <a:prstGeom prst="curvedConnector3">
+              <a:avLst>
+                <a:gd name="adj1" fmla="val 50000"/>
+              </a:avLst>
+            </a:prstGeom>
+          </p:spPr>
+          <p:style>
+            <a:lnRef idx="3">
+              <a:schemeClr val="dk1"/>
+            </a:lnRef>
+            <a:fillRef idx="0">
+              <a:schemeClr val="dk1"/>
+            </a:fillRef>
+            <a:effectRef idx="2">
+              <a:schemeClr val="dk1"/>
+            </a:effectRef>
+            <a:fontRef idx="minor">
+              <a:schemeClr val="tx1"/>
+            </a:fontRef>
+          </p:style>
+        </p:cxnSp>
+        <p:cxnSp>
+          <p:nvCxnSpPr>
+            <p:cNvPr id="58" name="Connector: Curved 57">
+              <a:extLst>
+                <a:ext uri="{FF2B5EF4-FFF2-40B4-BE49-F238E27FC236}">
+                  <a16:creationId xmlns:a16="http://schemas.microsoft.com/office/drawing/2014/main" id="{8D1C30CD-9DD0-E60B-C2F6-EC985AED08FF}"/>
+                </a:ext>
+              </a:extLst>
+            </p:cNvPr>
+            <p:cNvCxnSpPr>
+              <a:cxnSpLocks/>
+              <a:stCxn id="30" idx="2"/>
+              <a:endCxn id="32" idx="0"/>
+            </p:cNvCxnSpPr>
+            <p:nvPr/>
+          </p:nvCxnSpPr>
+          <p:spPr>
+            <a:xfrm rot="5400000">
+              <a:off x="5051055" y="3322538"/>
+              <a:ext cx="655522" cy="1234207"/>
+            </a:xfrm>
+            <a:prstGeom prst="curvedConnector3">
+              <a:avLst>
+                <a:gd name="adj1" fmla="val 50000"/>
+              </a:avLst>
+            </a:prstGeom>
+          </p:spPr>
+          <p:style>
+            <a:lnRef idx="3">
+              <a:schemeClr val="dk1"/>
+            </a:lnRef>
+            <a:fillRef idx="0">
+              <a:schemeClr val="dk1"/>
+            </a:fillRef>
+            <a:effectRef idx="2">
+              <a:schemeClr val="dk1"/>
+            </a:effectRef>
+            <a:fontRef idx="minor">
+              <a:schemeClr val="tx1"/>
+            </a:fontRef>
+          </p:style>
+        </p:cxnSp>
+        <p:cxnSp>
+          <p:nvCxnSpPr>
+            <p:cNvPr id="68" name="Connector: Curved 67">
+              <a:extLst>
+                <a:ext uri="{FF2B5EF4-FFF2-40B4-BE49-F238E27FC236}">
+                  <a16:creationId xmlns:a16="http://schemas.microsoft.com/office/drawing/2014/main" id="{14A729CC-B018-C0CA-4B01-5CFB3002BAA4}"/>
+                </a:ext>
+              </a:extLst>
+            </p:cNvPr>
+            <p:cNvCxnSpPr>
+              <a:cxnSpLocks/>
+              <a:stCxn id="12" idx="2"/>
+              <a:endCxn id="32" idx="0"/>
+            </p:cNvCxnSpPr>
+            <p:nvPr/>
+          </p:nvCxnSpPr>
+          <p:spPr>
+            <a:xfrm rot="16200000" flipH="1">
+              <a:off x="4232610" y="3738300"/>
+              <a:ext cx="655522" cy="402681"/>
+            </a:xfrm>
+            <a:prstGeom prst="curvedConnector3">
+              <a:avLst>
+                <a:gd name="adj1" fmla="val 50000"/>
+              </a:avLst>
+            </a:prstGeom>
+          </p:spPr>
+          <p:style>
+            <a:lnRef idx="3">
+              <a:schemeClr val="dk1"/>
+            </a:lnRef>
+            <a:fillRef idx="0">
+              <a:schemeClr val="dk1"/>
+            </a:fillRef>
+            <a:effectRef idx="2">
+              <a:schemeClr val="dk1"/>
+            </a:effectRef>
+            <a:fontRef idx="minor">
+              <a:schemeClr val="tx1"/>
+            </a:fontRef>
+          </p:style>
+        </p:cxnSp>
+        <p:sp>
+          <p:nvSpPr>
+            <p:cNvPr id="79" name="Retângulo 37">
+              <a:extLst>
+                <a:ext uri="{FF2B5EF4-FFF2-40B4-BE49-F238E27FC236}">
+                  <a16:creationId xmlns:a16="http://schemas.microsoft.com/office/drawing/2014/main" id="{8AD5ACD9-784E-2F01-F496-B773EC6A2316}"/>
+                </a:ext>
+              </a:extLst>
+            </p:cNvPr>
+            <p:cNvSpPr/>
+            <p:nvPr/>
+          </p:nvSpPr>
+          <p:spPr>
+            <a:xfrm>
+              <a:off x="4801555" y="844388"/>
+              <a:ext cx="751840" cy="365760"/>
+            </a:xfrm>
+            <a:prstGeom prst="rect">
+              <a:avLst/>
+            </a:prstGeom>
+            <a:ln w="19050">
+              <a:solidFill>
+                <a:schemeClr val="tx1"/>
+              </a:solidFill>
+            </a:ln>
+          </p:spPr>
+          <p:style>
+            <a:lnRef idx="2">
+              <a:schemeClr val="accent1">
+                <a:shade val="50000"/>
+              </a:schemeClr>
+            </a:lnRef>
+            <a:fillRef idx="1">
+              <a:schemeClr val="accent1"/>
+            </a:fillRef>
+            <a:effectRef idx="0">
+              <a:schemeClr val="accent1"/>
+            </a:effectRef>
+            <a:fontRef idx="minor">
+              <a:schemeClr val="lt1"/>
+            </a:fontRef>
+          </p:style>
+          <p:txBody>
+            <a:bodyPr rtlCol="0" anchor="ctr"/>
+            <a:lstStyle/>
+            <a:p>
+              <a:pPr algn="ctr"/>
+              <a:r>
+                <a:rPr lang="pt-BR" sz="2000" dirty="0">
+                  <a:effectLst>
+                    <a:outerShdw blurRad="38100" dist="38100" dir="2700000" algn="tl">
+                      <a:srgbClr val="000000">
+                        <a:alpha val="43137"/>
+                      </a:srgbClr>
+                    </a:outerShdw>
+                  </a:effectLst>
+                  <a:latin typeface="Times New Roman" panose="02020603050405020304" pitchFamily="18" charset="0"/>
+                  <a:cs typeface="Times New Roman" panose="02020603050405020304" pitchFamily="18" charset="0"/>
+                </a:rPr>
+                <a:t>tipo</a:t>
+              </a:r>
+            </a:p>
+          </p:txBody>
+        </p:sp>
+        <p:sp>
+          <p:nvSpPr>
+            <p:cNvPr id="80" name="Retângulo 38">
+              <a:extLst>
+                <a:ext uri="{FF2B5EF4-FFF2-40B4-BE49-F238E27FC236}">
+                  <a16:creationId xmlns:a16="http://schemas.microsoft.com/office/drawing/2014/main" id="{BA81A447-C774-EB3A-1DC9-88A7FA560C57}"/>
+                </a:ext>
+              </a:extLst>
+            </p:cNvPr>
+            <p:cNvSpPr/>
+            <p:nvPr/>
+          </p:nvSpPr>
+          <p:spPr>
+            <a:xfrm>
+              <a:off x="4801555" y="1210148"/>
+              <a:ext cx="751840" cy="365760"/>
+            </a:xfrm>
+            <a:prstGeom prst="rect">
+              <a:avLst/>
+            </a:prstGeom>
+            <a:solidFill>
+              <a:schemeClr val="bg1">
+                <a:lumMod val="75000"/>
+              </a:schemeClr>
+            </a:solidFill>
+            <a:ln w="19050">
+              <a:solidFill>
+                <a:schemeClr val="tx1"/>
+              </a:solidFill>
+            </a:ln>
+          </p:spPr>
+          <p:style>
+            <a:lnRef idx="2">
+              <a:schemeClr val="accent1">
+                <a:shade val="50000"/>
+              </a:schemeClr>
+            </a:lnRef>
+            <a:fillRef idx="1">
+              <a:schemeClr val="accent1"/>
+            </a:fillRef>
+            <a:effectRef idx="0">
+              <a:schemeClr val="accent1"/>
+            </a:effectRef>
+            <a:fontRef idx="minor">
+              <a:schemeClr val="lt1"/>
+            </a:fontRef>
+          </p:style>
+          <p:txBody>
+            <a:bodyPr rtlCol="0" anchor="ctr"/>
+            <a:lstStyle/>
+            <a:p>
+              <a:pPr algn="ctr"/>
+              <a:r>
+                <a:rPr lang="pt-BR" sz="2000" dirty="0">
+                  <a:effectLst>
+                    <a:outerShdw blurRad="38100" dist="38100" dir="2700000" algn="tl">
+                      <a:srgbClr val="000000">
+                        <a:alpha val="43137"/>
+                      </a:srgbClr>
+                    </a:outerShdw>
+                  </a:effectLst>
+                  <a:latin typeface="Times New Roman" panose="02020603050405020304" pitchFamily="18" charset="0"/>
+                  <a:cs typeface="Times New Roman" panose="02020603050405020304" pitchFamily="18" charset="0"/>
+                </a:rPr>
+                <a:t>A</a:t>
+              </a:r>
+            </a:p>
+          </p:txBody>
+        </p:sp>
+        <p:sp>
+          <p:nvSpPr>
+            <p:cNvPr id="81" name="Retângulo 39">
+              <a:extLst>
+                <a:ext uri="{FF2B5EF4-FFF2-40B4-BE49-F238E27FC236}">
+                  <a16:creationId xmlns:a16="http://schemas.microsoft.com/office/drawing/2014/main" id="{912A8DBF-FC6A-2C44-0A36-2815EB4BBAE9}"/>
+                </a:ext>
+              </a:extLst>
+            </p:cNvPr>
+            <p:cNvSpPr/>
+            <p:nvPr/>
+          </p:nvSpPr>
+          <p:spPr>
+            <a:xfrm>
+              <a:off x="4801555" y="1575908"/>
+              <a:ext cx="751840" cy="365760"/>
+            </a:xfrm>
+            <a:prstGeom prst="rect">
+              <a:avLst/>
+            </a:prstGeom>
+            <a:solidFill>
+              <a:schemeClr val="bg1">
+                <a:lumMod val="75000"/>
+              </a:schemeClr>
+            </a:solidFill>
+            <a:ln w="19050">
+              <a:solidFill>
+                <a:schemeClr val="tx1"/>
+              </a:solidFill>
+            </a:ln>
+          </p:spPr>
+          <p:style>
+            <a:lnRef idx="2">
+              <a:schemeClr val="accent1">
+                <a:shade val="50000"/>
+              </a:schemeClr>
+            </a:lnRef>
+            <a:fillRef idx="1">
+              <a:schemeClr val="accent1"/>
+            </a:fillRef>
+            <a:effectRef idx="0">
+              <a:schemeClr val="accent1"/>
+            </a:effectRef>
+            <a:fontRef idx="minor">
+              <a:schemeClr val="lt1"/>
+            </a:fontRef>
+          </p:style>
+          <p:txBody>
+            <a:bodyPr rtlCol="0" anchor="ctr"/>
+            <a:lstStyle/>
+            <a:p>
+              <a:pPr algn="ctr"/>
+              <a:r>
+                <a:rPr lang="pt-BR" sz="2000" dirty="0">
+                  <a:effectLst>
+                    <a:outerShdw blurRad="38100" dist="38100" dir="2700000" algn="tl">
+                      <a:srgbClr val="000000">
+                        <a:alpha val="43137"/>
+                      </a:srgbClr>
+                    </a:outerShdw>
+                  </a:effectLst>
+                  <a:latin typeface="Times New Roman" panose="02020603050405020304" pitchFamily="18" charset="0"/>
+                  <a:cs typeface="Times New Roman" panose="02020603050405020304" pitchFamily="18" charset="0"/>
+                </a:rPr>
+                <a:t>A</a:t>
+              </a:r>
+            </a:p>
+          </p:txBody>
+        </p:sp>
+        <p:sp>
+          <p:nvSpPr>
+            <p:cNvPr id="82" name="Retângulo 40">
+              <a:extLst>
+                <a:ext uri="{FF2B5EF4-FFF2-40B4-BE49-F238E27FC236}">
+                  <a16:creationId xmlns:a16="http://schemas.microsoft.com/office/drawing/2014/main" id="{0F3238FC-F164-8D05-7BF3-B9C9C34E85EA}"/>
+                </a:ext>
+              </a:extLst>
+            </p:cNvPr>
+            <p:cNvSpPr/>
+            <p:nvPr/>
+          </p:nvSpPr>
+          <p:spPr>
+            <a:xfrm>
+              <a:off x="4801555" y="1941668"/>
+              <a:ext cx="751840" cy="365760"/>
+            </a:xfrm>
+            <a:prstGeom prst="rect">
+              <a:avLst/>
+            </a:prstGeom>
+            <a:solidFill>
+              <a:schemeClr val="bg1">
+                <a:lumMod val="75000"/>
+              </a:schemeClr>
+            </a:solidFill>
+            <a:ln w="19050">
+              <a:solidFill>
+                <a:schemeClr val="tx1"/>
+              </a:solidFill>
+            </a:ln>
+          </p:spPr>
+          <p:style>
+            <a:lnRef idx="2">
+              <a:schemeClr val="accent1">
+                <a:shade val="50000"/>
+              </a:schemeClr>
+            </a:lnRef>
+            <a:fillRef idx="1">
+              <a:schemeClr val="accent1"/>
+            </a:fillRef>
+            <a:effectRef idx="0">
+              <a:schemeClr val="accent1"/>
+            </a:effectRef>
+            <a:fontRef idx="minor">
+              <a:schemeClr val="lt1"/>
+            </a:fontRef>
+          </p:style>
+          <p:txBody>
+            <a:bodyPr rtlCol="0" anchor="ctr"/>
+            <a:lstStyle/>
+            <a:p>
+              <a:pPr algn="ctr"/>
+              <a:r>
+                <a:rPr lang="pt-BR" sz="2000" dirty="0">
+                  <a:effectLst>
+                    <a:outerShdw blurRad="38100" dist="38100" dir="2700000" algn="tl">
+                      <a:srgbClr val="000000">
+                        <a:alpha val="43137"/>
+                      </a:srgbClr>
+                    </a:outerShdw>
+                  </a:effectLst>
+                  <a:latin typeface="Times New Roman" panose="02020603050405020304" pitchFamily="18" charset="0"/>
+                  <a:cs typeface="Times New Roman" panose="02020603050405020304" pitchFamily="18" charset="0"/>
+                </a:rPr>
+                <a:t>B</a:t>
+              </a:r>
+            </a:p>
+          </p:txBody>
+        </p:sp>
+        <p:sp>
+          <p:nvSpPr>
+            <p:cNvPr id="83" name="Retângulo 43">
+              <a:extLst>
+                <a:ext uri="{FF2B5EF4-FFF2-40B4-BE49-F238E27FC236}">
+                  <a16:creationId xmlns:a16="http://schemas.microsoft.com/office/drawing/2014/main" id="{A1B1DDA0-8312-5A0F-E9B5-DAAD4A25E8F5}"/>
+                </a:ext>
+              </a:extLst>
+            </p:cNvPr>
+            <p:cNvSpPr/>
+            <p:nvPr/>
+          </p:nvSpPr>
+          <p:spPr>
+            <a:xfrm>
+              <a:off x="4801555" y="2519679"/>
+              <a:ext cx="751840" cy="365760"/>
+            </a:xfrm>
+            <a:prstGeom prst="rect">
+              <a:avLst/>
+            </a:prstGeom>
+            <a:solidFill>
+              <a:schemeClr val="bg1">
+                <a:lumMod val="75000"/>
+              </a:schemeClr>
+            </a:solidFill>
+            <a:ln w="19050">
+              <a:solidFill>
+                <a:schemeClr val="tx1"/>
+              </a:solidFill>
+            </a:ln>
+          </p:spPr>
+          <p:style>
+            <a:lnRef idx="2">
+              <a:schemeClr val="accent1">
+                <a:shade val="50000"/>
+              </a:schemeClr>
+            </a:lnRef>
+            <a:fillRef idx="1">
+              <a:schemeClr val="accent1"/>
+            </a:fillRef>
+            <a:effectRef idx="0">
+              <a:schemeClr val="accent1"/>
+            </a:effectRef>
+            <a:fontRef idx="minor">
+              <a:schemeClr val="lt1"/>
+            </a:fontRef>
+          </p:style>
+          <p:txBody>
+            <a:bodyPr rtlCol="0" anchor="ctr"/>
+            <a:lstStyle/>
+            <a:p>
+              <a:pPr algn="ctr"/>
+              <a:r>
+                <a:rPr lang="pt-BR" sz="2000" dirty="0">
+                  <a:effectLst>
+                    <a:outerShdw blurRad="38100" dist="38100" dir="2700000" algn="tl">
+                      <a:srgbClr val="000000">
+                        <a:alpha val="43137"/>
+                      </a:srgbClr>
+                    </a:outerShdw>
+                  </a:effectLst>
+                  <a:latin typeface="Times New Roman" panose="02020603050405020304" pitchFamily="18" charset="0"/>
+                  <a:cs typeface="Times New Roman" panose="02020603050405020304" pitchFamily="18" charset="0"/>
+                </a:rPr>
+                <a:t>C</a:t>
+              </a:r>
+            </a:p>
+          </p:txBody>
+        </p:sp>
+        <p:sp>
+          <p:nvSpPr>
+            <p:cNvPr id="84" name="Retângulo 44">
+              <a:extLst>
+                <a:ext uri="{FF2B5EF4-FFF2-40B4-BE49-F238E27FC236}">
+                  <a16:creationId xmlns:a16="http://schemas.microsoft.com/office/drawing/2014/main" id="{8994CD0E-3877-58A0-27D4-B421B8B0E112}"/>
+                </a:ext>
+              </a:extLst>
+            </p:cNvPr>
+            <p:cNvSpPr/>
+            <p:nvPr/>
+          </p:nvSpPr>
+          <p:spPr>
+            <a:xfrm>
+              <a:off x="4801555" y="2885439"/>
+              <a:ext cx="751840" cy="365760"/>
+            </a:xfrm>
+            <a:prstGeom prst="rect">
+              <a:avLst/>
+            </a:prstGeom>
+            <a:solidFill>
+              <a:schemeClr val="bg1">
+                <a:lumMod val="75000"/>
+              </a:schemeClr>
+            </a:solidFill>
+            <a:ln w="19050">
+              <a:solidFill>
+                <a:schemeClr val="tx1"/>
+              </a:solidFill>
+            </a:ln>
+          </p:spPr>
+          <p:style>
+            <a:lnRef idx="2">
+              <a:schemeClr val="accent1">
+                <a:shade val="50000"/>
+              </a:schemeClr>
+            </a:lnRef>
+            <a:fillRef idx="1">
+              <a:schemeClr val="accent1"/>
+            </a:fillRef>
+            <a:effectRef idx="0">
+              <a:schemeClr val="accent1"/>
+            </a:effectRef>
+            <a:fontRef idx="minor">
+              <a:schemeClr val="lt1"/>
+            </a:fontRef>
+          </p:style>
+          <p:txBody>
+            <a:bodyPr rtlCol="0" anchor="ctr"/>
+            <a:lstStyle/>
+            <a:p>
+              <a:pPr algn="ctr"/>
+              <a:r>
+                <a:rPr lang="pt-BR" sz="2000" dirty="0">
+                  <a:effectLst>
+                    <a:outerShdw blurRad="38100" dist="38100" dir="2700000" algn="tl">
+                      <a:srgbClr val="000000">
+                        <a:alpha val="43137"/>
+                      </a:srgbClr>
+                    </a:outerShdw>
+                  </a:effectLst>
+                  <a:latin typeface="Times New Roman" panose="02020603050405020304" pitchFamily="18" charset="0"/>
+                  <a:cs typeface="Times New Roman" panose="02020603050405020304" pitchFamily="18" charset="0"/>
+                </a:rPr>
+                <a:t>C</a:t>
+              </a:r>
+            </a:p>
+          </p:txBody>
+        </p:sp>
+        <p:sp>
+          <p:nvSpPr>
+            <p:cNvPr id="85" name="Retângulo 45">
+              <a:extLst>
+                <a:ext uri="{FF2B5EF4-FFF2-40B4-BE49-F238E27FC236}">
+                  <a16:creationId xmlns:a16="http://schemas.microsoft.com/office/drawing/2014/main" id="{2DB72D99-9140-23E2-39F6-2DAB00366710}"/>
+                </a:ext>
+              </a:extLst>
+            </p:cNvPr>
+            <p:cNvSpPr/>
+            <p:nvPr/>
+          </p:nvSpPr>
+          <p:spPr>
+            <a:xfrm>
+              <a:off x="4801555" y="3251199"/>
+              <a:ext cx="751840" cy="365760"/>
+            </a:xfrm>
+            <a:prstGeom prst="rect">
+              <a:avLst/>
+            </a:prstGeom>
+            <a:solidFill>
+              <a:schemeClr val="bg1">
+                <a:lumMod val="75000"/>
+              </a:schemeClr>
+            </a:solidFill>
+            <a:ln w="19050">
+              <a:solidFill>
+                <a:schemeClr val="tx1"/>
+              </a:solidFill>
+            </a:ln>
+          </p:spPr>
+          <p:style>
+            <a:lnRef idx="2">
+              <a:schemeClr val="accent1">
+                <a:shade val="50000"/>
+              </a:schemeClr>
+            </a:lnRef>
+            <a:fillRef idx="1">
+              <a:schemeClr val="accent1"/>
+            </a:fillRef>
+            <a:effectRef idx="0">
+              <a:schemeClr val="accent1"/>
+            </a:effectRef>
+            <a:fontRef idx="minor">
+              <a:schemeClr val="lt1"/>
+            </a:fontRef>
+          </p:style>
+          <p:txBody>
+            <a:bodyPr rtlCol="0" anchor="ctr"/>
+            <a:lstStyle/>
+            <a:p>
+              <a:pPr algn="ctr"/>
+              <a:r>
+                <a:rPr lang="pt-BR" sz="2000" dirty="0">
+                  <a:effectLst>
+                    <a:outerShdw blurRad="38100" dist="38100" dir="2700000" algn="tl">
+                      <a:srgbClr val="000000">
+                        <a:alpha val="43137"/>
+                      </a:srgbClr>
+                    </a:outerShdw>
+                  </a:effectLst>
+                  <a:latin typeface="Times New Roman" panose="02020603050405020304" pitchFamily="18" charset="0"/>
+                  <a:cs typeface="Times New Roman" panose="02020603050405020304" pitchFamily="18" charset="0"/>
+                </a:rPr>
+                <a:t>A</a:t>
+              </a:r>
+            </a:p>
+          </p:txBody>
+        </p:sp>
+        <p:cxnSp>
+          <p:nvCxnSpPr>
+            <p:cNvPr id="106" name="Connector: Curved 105">
+              <a:extLst>
+                <a:ext uri="{FF2B5EF4-FFF2-40B4-BE49-F238E27FC236}">
+                  <a16:creationId xmlns:a16="http://schemas.microsoft.com/office/drawing/2014/main" id="{6D476793-BA57-9EE9-4C06-C7193DC7E57C}"/>
+                </a:ext>
+              </a:extLst>
+            </p:cNvPr>
+            <p:cNvCxnSpPr>
+              <a:cxnSpLocks/>
+              <a:stCxn id="85" idx="2"/>
+              <a:endCxn id="33" idx="0"/>
+            </p:cNvCxnSpPr>
+            <p:nvPr/>
+          </p:nvCxnSpPr>
+          <p:spPr>
+            <a:xfrm rot="5400000">
+              <a:off x="3993773" y="3083701"/>
+              <a:ext cx="650445" cy="1716961"/>
+            </a:xfrm>
+            <a:prstGeom prst="curvedConnector3">
+              <a:avLst>
+                <a:gd name="adj1" fmla="val 50000"/>
+              </a:avLst>
+            </a:prstGeom>
+          </p:spPr>
+          <p:style>
+            <a:lnRef idx="3">
+              <a:schemeClr val="dk1"/>
+            </a:lnRef>
+            <a:fillRef idx="0">
+              <a:schemeClr val="dk1"/>
+            </a:fillRef>
+            <a:effectRef idx="2">
+              <a:schemeClr val="dk1"/>
+            </a:effectRef>
+            <a:fontRef idx="minor">
+              <a:schemeClr val="tx1"/>
+            </a:fontRef>
+          </p:style>
+        </p:cxnSp>
+        <p:cxnSp>
+          <p:nvCxnSpPr>
+            <p:cNvPr id="110" name="Connector: Curved 109">
+              <a:extLst>
+                <a:ext uri="{FF2B5EF4-FFF2-40B4-BE49-F238E27FC236}">
+                  <a16:creationId xmlns:a16="http://schemas.microsoft.com/office/drawing/2014/main" id="{EB7B9731-7D0A-0111-9017-FC097A247E59}"/>
+                </a:ext>
+              </a:extLst>
+            </p:cNvPr>
+            <p:cNvCxnSpPr>
+              <a:cxnSpLocks/>
+              <a:stCxn id="12" idx="2"/>
+              <a:endCxn id="35" idx="0"/>
+            </p:cNvCxnSpPr>
+            <p:nvPr/>
+          </p:nvCxnSpPr>
+          <p:spPr>
+            <a:xfrm rot="16200000" flipH="1">
+              <a:off x="4978781" y="2992130"/>
+              <a:ext cx="656130" cy="1895630"/>
+            </a:xfrm>
+            <a:prstGeom prst="curvedConnector3">
+              <a:avLst>
+                <a:gd name="adj1" fmla="val 50000"/>
+              </a:avLst>
+            </a:prstGeom>
+          </p:spPr>
+          <p:style>
+            <a:lnRef idx="3">
+              <a:schemeClr val="dk1"/>
+            </a:lnRef>
+            <a:fillRef idx="0">
+              <a:schemeClr val="dk1"/>
+            </a:fillRef>
+            <a:effectRef idx="2">
+              <a:schemeClr val="dk1"/>
+            </a:effectRef>
+            <a:fontRef idx="minor">
+              <a:schemeClr val="tx1"/>
+            </a:fontRef>
+          </p:style>
+        </p:cxnSp>
+        <p:cxnSp>
+          <p:nvCxnSpPr>
+            <p:cNvPr id="114" name="Connector: Curved 113">
+              <a:extLst>
+                <a:ext uri="{FF2B5EF4-FFF2-40B4-BE49-F238E27FC236}">
+                  <a16:creationId xmlns:a16="http://schemas.microsoft.com/office/drawing/2014/main" id="{24E14897-3740-4460-4CB3-C8825504534F}"/>
+                </a:ext>
+              </a:extLst>
+            </p:cNvPr>
+            <p:cNvCxnSpPr>
+              <a:cxnSpLocks/>
+              <a:stCxn id="30" idx="2"/>
+              <a:endCxn id="35" idx="0"/>
+            </p:cNvCxnSpPr>
+            <p:nvPr/>
+          </p:nvCxnSpPr>
+          <p:spPr>
+            <a:xfrm rot="16200000" flipH="1">
+              <a:off x="5797225" y="3810574"/>
+              <a:ext cx="656130" cy="258742"/>
+            </a:xfrm>
+            <a:prstGeom prst="curvedConnector3">
+              <a:avLst>
+                <a:gd name="adj1" fmla="val 50000"/>
+              </a:avLst>
+            </a:prstGeom>
+          </p:spPr>
+          <p:style>
+            <a:lnRef idx="3">
+              <a:schemeClr val="dk1"/>
+            </a:lnRef>
+            <a:fillRef idx="0">
+              <a:schemeClr val="dk1"/>
+            </a:fillRef>
+            <a:effectRef idx="2">
+              <a:schemeClr val="dk1"/>
+            </a:effectRef>
+            <a:fontRef idx="minor">
+              <a:schemeClr val="tx1"/>
+            </a:fontRef>
+          </p:style>
+        </p:cxnSp>
+      </p:grpSp>
     </p:spTree>
     <p:extLst>
       <p:ext uri="{BB962C8B-B14F-4D97-AF65-F5344CB8AC3E}">
